--- a/02_資料/説明書/説明書.pptx
+++ b/02_資料/説明書/説明書.pptx
@@ -3753,8 +3753,8 @@
         </p:blipFill>
         <p:spPr>
           <a:xfrm>
-            <a:off x="2685648" y="2684345"/>
-            <a:ext cx="4480924" cy="3391687"/>
+            <a:off x="2361407" y="3031650"/>
+            <a:ext cx="4713543" cy="3567760"/>
           </a:xfrm>
           <a:prstGeom prst="rect">
             <a:avLst/>
@@ -3811,8 +3811,8 @@
         </p:nvSpPr>
         <p:spPr>
           <a:xfrm>
-            <a:off x="-347472" y="2268847"/>
-            <a:ext cx="3712464" cy="830997"/>
+            <a:off x="184847" y="1487750"/>
+            <a:ext cx="2225043" cy="830997"/>
           </a:xfrm>
           <a:prstGeom prst="rect">
             <a:avLst/>
@@ -3829,42 +3829,6 @@
             <a:r>
               <a:rPr kumimoji="1" lang="ja-JP" altLang="en-US" sz="4800" dirty="0"/>
               <a:t>移動</a:t>
-            </a:r>
-          </a:p>
-        </p:txBody>
-      </p:sp>
-      <p:sp>
-        <p:nvSpPr>
-          <p:cNvPr id="8" name="テキスト ボックス 7">
-            <a:extLst>
-              <a:ext uri="{FF2B5EF4-FFF2-40B4-BE49-F238E27FC236}">
-                <a16:creationId xmlns:a16="http://schemas.microsoft.com/office/drawing/2014/main" id="{241AC7DA-B03F-9D3B-7222-062A587226BA}"/>
-              </a:ext>
-            </a:extLst>
-          </p:cNvPr>
-          <p:cNvSpPr txBox="1"/>
-          <p:nvPr/>
-        </p:nvSpPr>
-        <p:spPr>
-          <a:xfrm>
-            <a:off x="2356828" y="7272627"/>
-            <a:ext cx="4809744" cy="830997"/>
-          </a:xfrm>
-          <a:prstGeom prst="rect">
-            <a:avLst/>
-          </a:prstGeom>
-          <a:noFill/>
-        </p:spPr>
-        <p:txBody>
-          <a:bodyPr wrap="square" rtlCol="0" anchor="ctr">
-            <a:spAutoFit/>
-          </a:bodyPr>
-          <a:lstStyle/>
-          <a:p>
-            <a:pPr algn="ctr"/>
-            <a:r>
-              <a:rPr kumimoji="1" lang="ja-JP" altLang="en-US" sz="4800" dirty="0"/>
-              <a:t>切り離し</a:t>
             </a:r>
           </a:p>
         </p:txBody>
@@ -3897,7 +3861,7 @@
         </p:blipFill>
         <p:spPr>
           <a:xfrm>
-            <a:off x="2091468" y="1487750"/>
+            <a:off x="2019758" y="1219544"/>
             <a:ext cx="2547048" cy="2750579"/>
           </a:xfrm>
           <a:prstGeom prst="rect">
@@ -3927,14 +3891,13 @@
               </a:ext>
             </a:extLst>
           </a:blip>
-          <a:stretch>
-            <a:fillRect/>
-          </a:stretch>
+          <a:srcRect b="16977"/>
+          <a:stretch/>
         </p:blipFill>
         <p:spPr>
           <a:xfrm>
-            <a:off x="6319944" y="1773132"/>
-            <a:ext cx="3781668" cy="3781668"/>
+            <a:off x="6319944" y="1776249"/>
+            <a:ext cx="3781668" cy="3139656"/>
           </a:xfrm>
           <a:prstGeom prst="rect">
             <a:avLst/>
@@ -3955,7 +3918,7 @@
         </p:nvSpPr>
         <p:spPr>
           <a:xfrm>
-            <a:off x="4962686" y="1751483"/>
+            <a:off x="4962686" y="1457761"/>
             <a:ext cx="4224528" cy="830997"/>
           </a:xfrm>
           <a:prstGeom prst="rect">
@@ -3973,42 +3936,6 @@
             <a:r>
               <a:rPr kumimoji="1" lang="ja-JP" altLang="en-US" sz="4800" dirty="0"/>
               <a:t>つっつき</a:t>
-            </a:r>
-          </a:p>
-        </p:txBody>
-      </p:sp>
-      <p:sp>
-        <p:nvSpPr>
-          <p:cNvPr id="7" name="テキスト ボックス 6">
-            <a:extLst>
-              <a:ext uri="{FF2B5EF4-FFF2-40B4-BE49-F238E27FC236}">
-                <a16:creationId xmlns:a16="http://schemas.microsoft.com/office/drawing/2014/main" id="{412C1D97-E9A1-39EB-876B-D20FAA7FF385}"/>
-              </a:ext>
-            </a:extLst>
-          </p:cNvPr>
-          <p:cNvSpPr txBox="1"/>
-          <p:nvPr/>
-        </p:nvSpPr>
-        <p:spPr>
-          <a:xfrm>
-            <a:off x="5474750" y="4745452"/>
-            <a:ext cx="3712464" cy="830997"/>
-          </a:xfrm>
-          <a:prstGeom prst="rect">
-            <a:avLst/>
-          </a:prstGeom>
-          <a:noFill/>
-        </p:spPr>
-        <p:txBody>
-          <a:bodyPr wrap="square" rtlCol="0" anchor="ctr">
-            <a:spAutoFit/>
-          </a:bodyPr>
-          <a:lstStyle/>
-          <a:p>
-            <a:pPr algn="ctr"/>
-            <a:r>
-              <a:rPr kumimoji="1" lang="ja-JP" altLang="en-US" sz="4800" dirty="0"/>
-              <a:t>ジャンプ</a:t>
             </a:r>
           </a:p>
         </p:txBody>
@@ -4041,7 +3968,7 @@
         </p:blipFill>
         <p:spPr>
           <a:xfrm>
-            <a:off x="6985316" y="5395802"/>
+            <a:off x="7653968" y="5018858"/>
             <a:ext cx="2107396" cy="2009995"/>
           </a:xfrm>
           <a:prstGeom prst="rect">
@@ -4076,7 +4003,7 @@
         </p:blipFill>
         <p:spPr>
           <a:xfrm>
-            <a:off x="212567" y="8278486"/>
+            <a:off x="200917" y="8893452"/>
             <a:ext cx="6107377" cy="3266971"/>
           </a:xfrm>
           <a:prstGeom prst="rect">
@@ -4084,6 +4011,264 @@
           </a:prstGeom>
         </p:spPr>
       </p:pic>
+      <p:sp>
+        <p:nvSpPr>
+          <p:cNvPr id="7" name="テキスト ボックス 6">
+            <a:extLst>
+              <a:ext uri="{FF2B5EF4-FFF2-40B4-BE49-F238E27FC236}">
+                <a16:creationId xmlns:a16="http://schemas.microsoft.com/office/drawing/2014/main" id="{412C1D97-E9A1-39EB-876B-D20FAA7FF385}"/>
+              </a:ext>
+            </a:extLst>
+          </p:cNvPr>
+          <p:cNvSpPr txBox="1"/>
+          <p:nvPr/>
+        </p:nvSpPr>
+        <p:spPr>
+          <a:xfrm>
+            <a:off x="4498314" y="6300809"/>
+            <a:ext cx="3712464" cy="830997"/>
+          </a:xfrm>
+          <a:prstGeom prst="rect">
+            <a:avLst/>
+          </a:prstGeom>
+          <a:noFill/>
+        </p:spPr>
+        <p:txBody>
+          <a:bodyPr wrap="square" rtlCol="0" anchor="ctr">
+            <a:spAutoFit/>
+          </a:bodyPr>
+          <a:lstStyle/>
+          <a:p>
+            <a:pPr algn="ctr"/>
+            <a:r>
+              <a:rPr kumimoji="1" lang="ja-JP" altLang="en-US" sz="4800" dirty="0"/>
+              <a:t>ジャンプ</a:t>
+            </a:r>
+          </a:p>
+        </p:txBody>
+      </p:sp>
+      <p:sp>
+        <p:nvSpPr>
+          <p:cNvPr id="23" name="正方形/長方形 22">
+            <a:extLst>
+              <a:ext uri="{FF2B5EF4-FFF2-40B4-BE49-F238E27FC236}">
+                <a16:creationId xmlns:a16="http://schemas.microsoft.com/office/drawing/2014/main" id="{A064374D-CF7D-E31C-56EA-D40D4AC77897}"/>
+              </a:ext>
+            </a:extLst>
+          </p:cNvPr>
+          <p:cNvSpPr/>
+          <p:nvPr/>
+        </p:nvSpPr>
+        <p:spPr>
+          <a:xfrm rot="2625270">
+            <a:off x="923538" y="3322579"/>
+            <a:ext cx="2696779" cy="137080"/>
+          </a:xfrm>
+          <a:prstGeom prst="rect">
+            <a:avLst/>
+          </a:prstGeom>
+        </p:spPr>
+        <p:style>
+          <a:lnRef idx="2">
+            <a:schemeClr val="accent1">
+              <a:shade val="15000"/>
+            </a:schemeClr>
+          </a:lnRef>
+          <a:fillRef idx="1">
+            <a:schemeClr val="accent1"/>
+          </a:fillRef>
+          <a:effectRef idx="0">
+            <a:schemeClr val="accent1"/>
+          </a:effectRef>
+          <a:fontRef idx="minor">
+            <a:schemeClr val="lt1"/>
+          </a:fontRef>
+        </p:style>
+        <p:txBody>
+          <a:bodyPr rtlCol="0" anchor="ctr"/>
+          <a:lstStyle/>
+          <a:p>
+            <a:pPr algn="ctr"/>
+            <a:endParaRPr kumimoji="1" lang="ja-JP" altLang="en-US"/>
+          </a:p>
+        </p:txBody>
+      </p:sp>
+      <p:sp>
+        <p:nvSpPr>
+          <p:cNvPr id="24" name="正方形/長方形 23">
+            <a:extLst>
+              <a:ext uri="{FF2B5EF4-FFF2-40B4-BE49-F238E27FC236}">
+                <a16:creationId xmlns:a16="http://schemas.microsoft.com/office/drawing/2014/main" id="{2CE588E0-18A7-BBA2-80AB-9EDBF71646DD}"/>
+              </a:ext>
+            </a:extLst>
+          </p:cNvPr>
+          <p:cNvSpPr/>
+          <p:nvPr/>
+        </p:nvSpPr>
+        <p:spPr>
+          <a:xfrm rot="6157607">
+            <a:off x="5328341" y="3197908"/>
+            <a:ext cx="1941055" cy="111428"/>
+          </a:xfrm>
+          <a:prstGeom prst="rect">
+            <a:avLst/>
+          </a:prstGeom>
+        </p:spPr>
+        <p:style>
+          <a:lnRef idx="2">
+            <a:schemeClr val="accent1">
+              <a:shade val="15000"/>
+            </a:schemeClr>
+          </a:lnRef>
+          <a:fillRef idx="1">
+            <a:schemeClr val="accent1"/>
+          </a:fillRef>
+          <a:effectRef idx="0">
+            <a:schemeClr val="accent1"/>
+          </a:effectRef>
+          <a:fontRef idx="minor">
+            <a:schemeClr val="lt1"/>
+          </a:fontRef>
+        </p:style>
+        <p:txBody>
+          <a:bodyPr rtlCol="0" anchor="ctr"/>
+          <a:lstStyle/>
+          <a:p>
+            <a:pPr algn="ctr"/>
+            <a:endParaRPr kumimoji="1" lang="ja-JP" altLang="en-US"/>
+          </a:p>
+        </p:txBody>
+      </p:sp>
+      <p:sp>
+        <p:nvSpPr>
+          <p:cNvPr id="25" name="正方形/長方形 24">
+            <a:extLst>
+              <a:ext uri="{FF2B5EF4-FFF2-40B4-BE49-F238E27FC236}">
+                <a16:creationId xmlns:a16="http://schemas.microsoft.com/office/drawing/2014/main" id="{B78EE9C2-679A-3BCC-47D2-58BF27C8FAC3}"/>
+              </a:ext>
+            </a:extLst>
+          </p:cNvPr>
+          <p:cNvSpPr/>
+          <p:nvPr/>
+        </p:nvSpPr>
+        <p:spPr>
+          <a:xfrm rot="4982752">
+            <a:off x="5284320" y="5604094"/>
+            <a:ext cx="1339058" cy="144840"/>
+          </a:xfrm>
+          <a:prstGeom prst="rect">
+            <a:avLst/>
+          </a:prstGeom>
+        </p:spPr>
+        <p:style>
+          <a:lnRef idx="2">
+            <a:schemeClr val="accent1">
+              <a:shade val="15000"/>
+            </a:schemeClr>
+          </a:lnRef>
+          <a:fillRef idx="1">
+            <a:schemeClr val="accent1"/>
+          </a:fillRef>
+          <a:effectRef idx="0">
+            <a:schemeClr val="accent1"/>
+          </a:effectRef>
+          <a:fontRef idx="minor">
+            <a:schemeClr val="lt1"/>
+          </a:fontRef>
+        </p:style>
+        <p:txBody>
+          <a:bodyPr rtlCol="0" anchor="ctr"/>
+          <a:lstStyle/>
+          <a:p>
+            <a:pPr algn="ctr"/>
+            <a:endParaRPr kumimoji="1" lang="ja-JP" altLang="en-US"/>
+          </a:p>
+        </p:txBody>
+      </p:sp>
+      <p:pic>
+        <p:nvPicPr>
+          <p:cNvPr id="28" name="図 27" descr="暗い背景に浮かぶ月&#10;&#10;低い精度で自動的に生成された説明">
+            <a:extLst>
+              <a:ext uri="{FF2B5EF4-FFF2-40B4-BE49-F238E27FC236}">
+                <a16:creationId xmlns:a16="http://schemas.microsoft.com/office/drawing/2014/main" id="{D4BFD20B-016B-D7AA-49F5-10670CE87CD7}"/>
+              </a:ext>
+            </a:extLst>
+          </p:cNvPr>
+          <p:cNvPicPr>
+            <a:picLocks noChangeAspect="1"/>
+          </p:cNvPicPr>
+          <p:nvPr/>
+        </p:nvPicPr>
+        <p:blipFill>
+          <a:blip r:embed="rId8">
+            <a:extLst>
+              <a:ext uri="{28A0092B-C50C-407E-A947-70E740481C1C}">
+                <a14:useLocalDpi xmlns:a14="http://schemas.microsoft.com/office/drawing/2010/main" val="0"/>
+              </a:ext>
+            </a:extLst>
+          </a:blip>
+          <a:srcRect r="21932" b="22009"/>
+          <a:stretch/>
+        </p:blipFill>
+        <p:spPr>
+          <a:xfrm>
+            <a:off x="4929943" y="9462492"/>
+            <a:ext cx="4671257" cy="3339107"/>
+          </a:xfrm>
+          <a:prstGeom prst="rect">
+            <a:avLst/>
+          </a:prstGeom>
+          <a:effectLst>
+            <a:glow rad="165100">
+              <a:srgbClr val="FFFF00"/>
+            </a:glow>
+          </a:effectLst>
+        </p:spPr>
+      </p:pic>
+      <p:sp>
+        <p:nvSpPr>
+          <p:cNvPr id="8" name="テキスト ボックス 7">
+            <a:extLst>
+              <a:ext uri="{FF2B5EF4-FFF2-40B4-BE49-F238E27FC236}">
+                <a16:creationId xmlns:a16="http://schemas.microsoft.com/office/drawing/2014/main" id="{241AC7DA-B03F-9D3B-7222-062A587226BA}"/>
+              </a:ext>
+            </a:extLst>
+          </p:cNvPr>
+          <p:cNvSpPr txBox="1"/>
+          <p:nvPr/>
+        </p:nvSpPr>
+        <p:spPr>
+          <a:xfrm>
+            <a:off x="184847" y="7700846"/>
+            <a:ext cx="8451436" cy="1938992"/>
+          </a:xfrm>
+          <a:prstGeom prst="rect">
+            <a:avLst/>
+          </a:prstGeom>
+          <a:noFill/>
+        </p:spPr>
+        <p:txBody>
+          <a:bodyPr wrap="square" rtlCol="0" anchor="ctr">
+            <a:spAutoFit/>
+          </a:bodyPr>
+          <a:lstStyle/>
+          <a:p>
+            <a:pPr algn="ctr"/>
+            <a:r>
+              <a:rPr kumimoji="1" lang="ja-JP" altLang="en-US" sz="6000" dirty="0"/>
+              <a:t>アクションを活かして</a:t>
+            </a:r>
+            <a:endParaRPr kumimoji="1" lang="en-US" altLang="ja-JP" sz="6000" dirty="0"/>
+          </a:p>
+          <a:p>
+            <a:pPr algn="ctr"/>
+            <a:r>
+              <a:rPr kumimoji="1" lang="ja-JP" altLang="en-US" sz="6000" dirty="0"/>
+              <a:t>氷を切り離す！</a:t>
+            </a:r>
+          </a:p>
+        </p:txBody>
+      </p:sp>
     </p:spTree>
     <p:extLst>
       <p:ext uri="{BB962C8B-B14F-4D97-AF65-F5344CB8AC3E}">
@@ -4120,6 +4305,41 @@
           <a:chExt cx="0" cy="0"/>
         </a:xfrm>
       </p:grpSpPr>
+      <p:pic>
+        <p:nvPicPr>
+          <p:cNvPr id="17" name="図 16" descr="暗い, 探す, 食品 が含まれている画像&#10;&#10;自動的に生成された説明">
+            <a:extLst>
+              <a:ext uri="{FF2B5EF4-FFF2-40B4-BE49-F238E27FC236}">
+                <a16:creationId xmlns:a16="http://schemas.microsoft.com/office/drawing/2014/main" id="{8C0376A1-0D96-BC30-D8C1-A89897120561}"/>
+              </a:ext>
+            </a:extLst>
+          </p:cNvPr>
+          <p:cNvPicPr>
+            <a:picLocks noChangeAspect="1"/>
+          </p:cNvPicPr>
+          <p:nvPr/>
+        </p:nvPicPr>
+        <p:blipFill>
+          <a:blip r:embed="rId2">
+            <a:extLst>
+              <a:ext uri="{28A0092B-C50C-407E-A947-70E740481C1C}">
+                <a14:useLocalDpi xmlns:a14="http://schemas.microsoft.com/office/drawing/2010/main" val="0"/>
+              </a:ext>
+            </a:extLst>
+          </a:blip>
+          <a:srcRect b="27030"/>
+          <a:stretch/>
+        </p:blipFill>
+        <p:spPr>
+          <a:xfrm>
+            <a:off x="-946094" y="3996137"/>
+            <a:ext cx="5284372" cy="2442257"/>
+          </a:xfrm>
+          <a:prstGeom prst="rect">
+            <a:avLst/>
+          </a:prstGeom>
+        </p:spPr>
+      </p:pic>
       <p:sp>
         <p:nvSpPr>
           <p:cNvPr id="4" name="テキスト ボックス 3">
@@ -4151,7 +4371,7 @@
             <a:pPr algn="ctr"/>
             <a:r>
               <a:rPr kumimoji="1" lang="ja-JP" altLang="en-US" sz="4800" dirty="0"/>
-              <a:t>キャラの紹介</a:t>
+              <a:t>観測できる生き物</a:t>
             </a:r>
           </a:p>
         </p:txBody>
@@ -4170,8 +4390,8 @@
         </p:nvSpPr>
         <p:spPr>
           <a:xfrm>
-            <a:off x="201168" y="5830808"/>
-            <a:ext cx="5394960" cy="830997"/>
+            <a:off x="6309360" y="4151250"/>
+            <a:ext cx="3291840" cy="830997"/>
           </a:xfrm>
           <a:prstGeom prst="rect">
             <a:avLst/>
@@ -4206,8 +4426,8 @@
         </p:nvSpPr>
         <p:spPr>
           <a:xfrm>
-            <a:off x="3444240" y="1785005"/>
-            <a:ext cx="5394960" cy="830997"/>
+            <a:off x="0" y="1530232"/>
+            <a:ext cx="3060192" cy="830997"/>
           </a:xfrm>
           <a:prstGeom prst="rect">
             <a:avLst/>
@@ -4242,8 +4462,8 @@
         </p:nvSpPr>
         <p:spPr>
           <a:xfrm>
-            <a:off x="3700272" y="8917598"/>
-            <a:ext cx="5394960" cy="830997"/>
+            <a:off x="-289560" y="6810213"/>
+            <a:ext cx="3364992" cy="830997"/>
           </a:xfrm>
           <a:prstGeom prst="rect">
             <a:avLst/>
@@ -4261,6 +4481,320 @@
               <a:rPr kumimoji="1" lang="ja-JP" altLang="en-US" sz="4800" dirty="0"/>
               <a:t>シロクマ</a:t>
             </a:r>
+          </a:p>
+        </p:txBody>
+      </p:sp>
+      <p:sp>
+        <p:nvSpPr>
+          <p:cNvPr id="8" name="テキスト ボックス 7">
+            <a:extLst>
+              <a:ext uri="{FF2B5EF4-FFF2-40B4-BE49-F238E27FC236}">
+                <a16:creationId xmlns:a16="http://schemas.microsoft.com/office/drawing/2014/main" id="{18EB13B3-851B-D5D6-B422-80F80FF86383}"/>
+              </a:ext>
+            </a:extLst>
+          </p:cNvPr>
+          <p:cNvSpPr txBox="1"/>
+          <p:nvPr/>
+        </p:nvSpPr>
+        <p:spPr>
+          <a:xfrm>
+            <a:off x="146304" y="2241294"/>
+            <a:ext cx="5858256" cy="1200329"/>
+          </a:xfrm>
+          <a:prstGeom prst="rect">
+            <a:avLst/>
+          </a:prstGeom>
+          <a:noFill/>
+        </p:spPr>
+        <p:txBody>
+          <a:bodyPr wrap="square" rtlCol="0" anchor="ctr">
+            <a:spAutoFit/>
+          </a:bodyPr>
+          <a:lstStyle/>
+          <a:p>
+            <a:r>
+              <a:rPr kumimoji="1" lang="ja-JP" altLang="en-US" sz="3600" dirty="0"/>
+              <a:t>あなたが操作するペンギン</a:t>
+            </a:r>
+            <a:endParaRPr kumimoji="1" lang="en-US" altLang="ja-JP" sz="3600" dirty="0"/>
+          </a:p>
+          <a:p>
+            <a:r>
+              <a:rPr kumimoji="1" lang="ja-JP" altLang="en-US" sz="3600" dirty="0"/>
+              <a:t>もたもた動く</a:t>
+            </a:r>
+            <a:endParaRPr kumimoji="1" lang="en-US" altLang="ja-JP" sz="3600" dirty="0"/>
+          </a:p>
+        </p:txBody>
+      </p:sp>
+      <p:sp>
+        <p:nvSpPr>
+          <p:cNvPr id="9" name="テキスト ボックス 8">
+            <a:extLst>
+              <a:ext uri="{FF2B5EF4-FFF2-40B4-BE49-F238E27FC236}">
+                <a16:creationId xmlns:a16="http://schemas.microsoft.com/office/drawing/2014/main" id="{09656FD9-21CF-8D72-DB5D-704E3A9C545E}"/>
+              </a:ext>
+            </a:extLst>
+          </p:cNvPr>
+          <p:cNvSpPr txBox="1"/>
+          <p:nvPr/>
+        </p:nvSpPr>
+        <p:spPr>
+          <a:xfrm>
+            <a:off x="146304" y="7553850"/>
+            <a:ext cx="6876288" cy="1200329"/>
+          </a:xfrm>
+          <a:prstGeom prst="rect">
+            <a:avLst/>
+          </a:prstGeom>
+          <a:noFill/>
+        </p:spPr>
+        <p:txBody>
+          <a:bodyPr wrap="square" rtlCol="0" anchor="ctr">
+            <a:spAutoFit/>
+          </a:bodyPr>
+          <a:lstStyle/>
+          <a:p>
+            <a:r>
+              <a:rPr kumimoji="1" lang="ja-JP" altLang="en-US" sz="3600" dirty="0"/>
+              <a:t>突進の速度がピカイチ</a:t>
+            </a:r>
+            <a:endParaRPr kumimoji="1" lang="en-US" altLang="ja-JP" sz="3600" dirty="0"/>
+          </a:p>
+          <a:p>
+            <a:r>
+              <a:rPr kumimoji="1" lang="ja-JP" altLang="en-US" sz="3600" dirty="0"/>
+              <a:t>ただし、一直線でしか走れない</a:t>
+            </a:r>
+          </a:p>
+        </p:txBody>
+      </p:sp>
+      <p:sp>
+        <p:nvSpPr>
+          <p:cNvPr id="10" name="テキスト ボックス 9">
+            <a:extLst>
+              <a:ext uri="{FF2B5EF4-FFF2-40B4-BE49-F238E27FC236}">
+                <a16:creationId xmlns:a16="http://schemas.microsoft.com/office/drawing/2014/main" id="{381CF76E-6D36-1DB6-7F70-58827BE53A66}"/>
+              </a:ext>
+            </a:extLst>
+          </p:cNvPr>
+          <p:cNvSpPr txBox="1"/>
+          <p:nvPr/>
+        </p:nvSpPr>
+        <p:spPr>
+          <a:xfrm>
+            <a:off x="3060192" y="4399694"/>
+            <a:ext cx="6876288" cy="1200329"/>
+          </a:xfrm>
+          <a:prstGeom prst="rect">
+            <a:avLst/>
+          </a:prstGeom>
+          <a:noFill/>
+        </p:spPr>
+        <p:txBody>
+          <a:bodyPr wrap="square" rtlCol="0" anchor="ctr">
+            <a:spAutoFit/>
+          </a:bodyPr>
+          <a:lstStyle/>
+          <a:p>
+            <a:r>
+              <a:rPr kumimoji="1" lang="ja-JP" altLang="en-US" sz="3600" dirty="0"/>
+              <a:t>かしこい生き物</a:t>
+            </a:r>
+            <a:endParaRPr kumimoji="1" lang="en-US" altLang="ja-JP" sz="3600" dirty="0"/>
+          </a:p>
+          <a:p>
+            <a:r>
+              <a:rPr kumimoji="1" lang="ja-JP" altLang="en-US" sz="3600" dirty="0"/>
+              <a:t>じっくりとえものを追い詰める</a:t>
+            </a:r>
+          </a:p>
+        </p:txBody>
+      </p:sp>
+      <p:pic>
+        <p:nvPicPr>
+          <p:cNvPr id="13" name="図 12" descr="座る, 暗い, フロント, 探す が含まれている画像&#10;&#10;自動的に生成された説明">
+            <a:extLst>
+              <a:ext uri="{FF2B5EF4-FFF2-40B4-BE49-F238E27FC236}">
+                <a16:creationId xmlns:a16="http://schemas.microsoft.com/office/drawing/2014/main" id="{75C2E91F-0C86-0F7A-A012-FA1CED8FA821}"/>
+              </a:ext>
+            </a:extLst>
+          </p:cNvPr>
+          <p:cNvPicPr>
+            <a:picLocks noChangeAspect="1"/>
+          </p:cNvPicPr>
+          <p:nvPr/>
+        </p:nvPicPr>
+        <p:blipFill>
+          <a:blip r:embed="rId3">
+            <a:extLst>
+              <a:ext uri="{28A0092B-C50C-407E-A947-70E740481C1C}">
+                <a14:useLocalDpi xmlns:a14="http://schemas.microsoft.com/office/drawing/2010/main" val="0"/>
+              </a:ext>
+            </a:extLst>
+          </a:blip>
+          <a:stretch>
+            <a:fillRect/>
+          </a:stretch>
+        </p:blipFill>
+        <p:spPr>
+          <a:xfrm>
+            <a:off x="5408232" y="1070577"/>
+            <a:ext cx="2547048" cy="2750579"/>
+          </a:xfrm>
+          <a:prstGeom prst="rect">
+            <a:avLst/>
+          </a:prstGeom>
+        </p:spPr>
+      </p:pic>
+      <p:pic>
+        <p:nvPicPr>
+          <p:cNvPr id="15" name="図 14" descr="探す, 暗い, 写真, 座る が含まれている画像&#10;&#10;自動的に生成された説明">
+            <a:extLst>
+              <a:ext uri="{FF2B5EF4-FFF2-40B4-BE49-F238E27FC236}">
+                <a16:creationId xmlns:a16="http://schemas.microsoft.com/office/drawing/2014/main" id="{FA5C1838-0BEE-2FE4-C456-E40B8E1603F5}"/>
+              </a:ext>
+            </a:extLst>
+          </p:cNvPr>
+          <p:cNvPicPr>
+            <a:picLocks noChangeAspect="1"/>
+          </p:cNvPicPr>
+          <p:nvPr/>
+        </p:nvPicPr>
+        <p:blipFill>
+          <a:blip r:embed="rId4">
+            <a:extLst>
+              <a:ext uri="{28A0092B-C50C-407E-A947-70E740481C1C}">
+                <a14:useLocalDpi xmlns:a14="http://schemas.microsoft.com/office/drawing/2010/main" val="0"/>
+              </a:ext>
+            </a:extLst>
+          </a:blip>
+          <a:stretch>
+            <a:fillRect/>
+          </a:stretch>
+        </p:blipFill>
+        <p:spPr>
+          <a:xfrm>
+            <a:off x="5906411" y="6498621"/>
+            <a:ext cx="4030069" cy="3404880"/>
+          </a:xfrm>
+          <a:prstGeom prst="rect">
+            <a:avLst/>
+          </a:prstGeom>
+        </p:spPr>
+      </p:pic>
+      <p:pic>
+        <p:nvPicPr>
+          <p:cNvPr id="21" name="図 20" descr="暗い, 鳥, 飛ぶ, 水 が含まれている画像&#10;&#10;自動的に生成された説明">
+            <a:extLst>
+              <a:ext uri="{FF2B5EF4-FFF2-40B4-BE49-F238E27FC236}">
+                <a16:creationId xmlns:a16="http://schemas.microsoft.com/office/drawing/2014/main" id="{E1172922-D7FC-48EC-3467-CD14C5637C51}"/>
+              </a:ext>
+            </a:extLst>
+          </p:cNvPr>
+          <p:cNvPicPr>
+            <a:picLocks noChangeAspect="1"/>
+          </p:cNvPicPr>
+          <p:nvPr/>
+        </p:nvPicPr>
+        <p:blipFill>
+          <a:blip r:embed="rId5">
+            <a:extLst>
+              <a:ext uri="{28A0092B-C50C-407E-A947-70E740481C1C}">
+                <a14:useLocalDpi xmlns:a14="http://schemas.microsoft.com/office/drawing/2010/main" val="0"/>
+              </a:ext>
+            </a:extLst>
+          </a:blip>
+          <a:stretch>
+            <a:fillRect/>
+          </a:stretch>
+        </p:blipFill>
+        <p:spPr>
+          <a:xfrm>
+            <a:off x="0" y="9660321"/>
+            <a:ext cx="4338278" cy="2427755"/>
+          </a:xfrm>
+          <a:prstGeom prst="rect">
+            <a:avLst/>
+          </a:prstGeom>
+        </p:spPr>
+      </p:pic>
+      <p:sp>
+        <p:nvSpPr>
+          <p:cNvPr id="18" name="テキスト ボックス 17">
+            <a:extLst>
+              <a:ext uri="{FF2B5EF4-FFF2-40B4-BE49-F238E27FC236}">
+                <a16:creationId xmlns:a16="http://schemas.microsoft.com/office/drawing/2014/main" id="{8D65D1B7-A636-03DC-1E9C-6CDFA89D9FFE}"/>
+              </a:ext>
+            </a:extLst>
+          </p:cNvPr>
+          <p:cNvSpPr txBox="1"/>
+          <p:nvPr/>
+        </p:nvSpPr>
+        <p:spPr>
+          <a:xfrm>
+            <a:off x="5486761" y="9903501"/>
+            <a:ext cx="3364992" cy="830997"/>
+          </a:xfrm>
+          <a:prstGeom prst="rect">
+            <a:avLst/>
+          </a:prstGeom>
+          <a:noFill/>
+        </p:spPr>
+        <p:txBody>
+          <a:bodyPr wrap="square" rtlCol="0" anchor="ctr">
+            <a:spAutoFit/>
+          </a:bodyPr>
+          <a:lstStyle/>
+          <a:p>
+            <a:pPr algn="ctr"/>
+            <a:r>
+              <a:rPr kumimoji="1" lang="ja-JP" altLang="en-US" sz="4800" dirty="0"/>
+              <a:t>アホウドリ</a:t>
+            </a:r>
+          </a:p>
+        </p:txBody>
+      </p:sp>
+      <p:sp>
+        <p:nvSpPr>
+          <p:cNvPr id="19" name="テキスト ボックス 18">
+            <a:extLst>
+              <a:ext uri="{FF2B5EF4-FFF2-40B4-BE49-F238E27FC236}">
+                <a16:creationId xmlns:a16="http://schemas.microsoft.com/office/drawing/2014/main" id="{00F628D3-D25E-905A-188F-E08ADD9CE21D}"/>
+              </a:ext>
+            </a:extLst>
+          </p:cNvPr>
+          <p:cNvSpPr txBox="1"/>
+          <p:nvPr/>
+        </p:nvSpPr>
+        <p:spPr>
+          <a:xfrm>
+            <a:off x="4564227" y="10708006"/>
+            <a:ext cx="4916729" cy="1200329"/>
+          </a:xfrm>
+          <a:prstGeom prst="rect">
+            <a:avLst/>
+          </a:prstGeom>
+          <a:noFill/>
+        </p:spPr>
+        <p:txBody>
+          <a:bodyPr wrap="square" rtlCol="0" anchor="ctr">
+            <a:spAutoFit/>
+          </a:bodyPr>
+          <a:lstStyle/>
+          <a:p>
+            <a:r>
+              <a:rPr kumimoji="1" lang="ja-JP" altLang="en-US" sz="3600" dirty="0"/>
+              <a:t>海流に沿って飛ぶ鳥</a:t>
+            </a:r>
+            <a:endParaRPr kumimoji="1" lang="en-US" altLang="ja-JP" sz="3600" dirty="0"/>
+          </a:p>
+          <a:p>
+            <a:r>
+              <a:rPr kumimoji="1" lang="ja-JP" altLang="en-US" sz="3600" dirty="0"/>
+              <a:t>たまに変なのがいる</a:t>
+            </a:r>
+            <a:endParaRPr kumimoji="1" lang="en-US" altLang="ja-JP" sz="3600" dirty="0"/>
           </a:p>
         </p:txBody>
       </p:sp>

--- a/02_資料/説明書/説明書.pptx
+++ b/02_資料/説明書/説明書.pptx
@@ -3775,8 +3775,8 @@
         </p:nvSpPr>
         <p:spPr>
           <a:xfrm>
-            <a:off x="274320" y="266204"/>
-            <a:ext cx="9052560" cy="830997"/>
+            <a:off x="1297368" y="244636"/>
+            <a:ext cx="9052560" cy="1015663"/>
           </a:xfrm>
           <a:prstGeom prst="rect">
             <a:avLst/>
@@ -3791,7 +3791,7 @@
           <a:p>
             <a:pPr algn="ctr"/>
             <a:r>
-              <a:rPr kumimoji="1" lang="ja-JP" altLang="en-US" sz="4800" dirty="0"/>
+              <a:rPr kumimoji="1" lang="ja-JP" altLang="en-US" sz="6000" dirty="0"/>
               <a:t>南極で生きる方法</a:t>
             </a:r>
           </a:p>
@@ -4266,6 +4266,45 @@
               <a:rPr kumimoji="1" lang="ja-JP" altLang="en-US" sz="6000" dirty="0"/>
               <a:t>氷を切り離す！</a:t>
             </a:r>
+          </a:p>
+        </p:txBody>
+      </p:sp>
+      <p:sp>
+        <p:nvSpPr>
+          <p:cNvPr id="29" name="テキスト ボックス 28">
+            <a:extLst>
+              <a:ext uri="{FF2B5EF4-FFF2-40B4-BE49-F238E27FC236}">
+                <a16:creationId xmlns:a16="http://schemas.microsoft.com/office/drawing/2014/main" id="{76C4D194-500D-950A-4A08-BC7545CF07E4}"/>
+              </a:ext>
+            </a:extLst>
+          </p:cNvPr>
+          <p:cNvSpPr txBox="1"/>
+          <p:nvPr/>
+        </p:nvSpPr>
+        <p:spPr>
+          <a:xfrm>
+            <a:off x="0" y="1593"/>
+            <a:ext cx="2409890" cy="769441"/>
+          </a:xfrm>
+          <a:prstGeom prst="rect">
+            <a:avLst/>
+          </a:prstGeom>
+          <a:solidFill>
+            <a:srgbClr val="FFC000"/>
+          </a:solidFill>
+        </p:spPr>
+        <p:txBody>
+          <a:bodyPr wrap="square" rtlCol="0" anchor="ctr">
+            <a:spAutoFit/>
+          </a:bodyPr>
+          <a:lstStyle/>
+          <a:p>
+            <a:pPr algn="ctr"/>
+            <a:r>
+              <a:rPr kumimoji="1" lang="en-US" altLang="ja-JP" sz="4400" dirty="0"/>
+              <a:t>MANUAL</a:t>
+            </a:r>
+            <a:endParaRPr kumimoji="1" lang="ja-JP" altLang="en-US" sz="4400" dirty="0"/>
           </a:p>
         </p:txBody>
       </p:sp>
@@ -4354,8 +4393,8 @@
         </p:nvSpPr>
         <p:spPr>
           <a:xfrm>
-            <a:off x="2103120" y="309773"/>
-            <a:ext cx="5394960" cy="830997"/>
+            <a:off x="3129358" y="169408"/>
+            <a:ext cx="6478172" cy="830997"/>
           </a:xfrm>
           <a:prstGeom prst="rect">
             <a:avLst/>
@@ -4371,7 +4410,7 @@
             <a:pPr algn="ctr"/>
             <a:r>
               <a:rPr kumimoji="1" lang="ja-JP" altLang="en-US" sz="4800" dirty="0"/>
-              <a:t>観測できる生き物</a:t>
+              <a:t>観測できる生き物たち</a:t>
             </a:r>
           </a:p>
         </p:txBody>
@@ -4795,6 +4834,45 @@
               <a:t>たまに変なのがいる</a:t>
             </a:r>
             <a:endParaRPr kumimoji="1" lang="en-US" altLang="ja-JP" sz="3600" dirty="0"/>
+          </a:p>
+        </p:txBody>
+      </p:sp>
+      <p:sp>
+        <p:nvSpPr>
+          <p:cNvPr id="22" name="テキスト ボックス 21">
+            <a:extLst>
+              <a:ext uri="{FF2B5EF4-FFF2-40B4-BE49-F238E27FC236}">
+                <a16:creationId xmlns:a16="http://schemas.microsoft.com/office/drawing/2014/main" id="{F9E1842A-607B-B225-A8B4-AD6B89509AA5}"/>
+              </a:ext>
+            </a:extLst>
+          </p:cNvPr>
+          <p:cNvSpPr txBox="1"/>
+          <p:nvPr/>
+        </p:nvSpPr>
+        <p:spPr>
+          <a:xfrm>
+            <a:off x="0" y="5638"/>
+            <a:ext cx="3060192" cy="707886"/>
+          </a:xfrm>
+          <a:prstGeom prst="rect">
+            <a:avLst/>
+          </a:prstGeom>
+          <a:solidFill>
+            <a:srgbClr val="FFC000"/>
+          </a:solidFill>
+        </p:spPr>
+        <p:txBody>
+          <a:bodyPr wrap="square" rtlCol="0" anchor="ctr">
+            <a:spAutoFit/>
+          </a:bodyPr>
+          <a:lstStyle/>
+          <a:p>
+            <a:pPr algn="ctr"/>
+            <a:r>
+              <a:rPr kumimoji="1" lang="en-US" altLang="ja-JP" sz="4000" dirty="0"/>
+              <a:t>CHARACTER</a:t>
+            </a:r>
+            <a:endParaRPr kumimoji="1" lang="ja-JP" altLang="en-US" sz="4000" dirty="0"/>
           </a:p>
         </p:txBody>
       </p:sp>

--- a/02_資料/説明書/説明書.pptx
+++ b/02_資料/説明書/説明書.pptx
@@ -3140,9 +3140,29 @@
 <p:sldMaster xmlns:a="http://schemas.openxmlformats.org/drawingml/2006/main" xmlns:r="http://schemas.openxmlformats.org/officeDocument/2006/relationships" xmlns:p="http://schemas.openxmlformats.org/presentationml/2006/main">
   <p:cSld>
     <p:bg>
-      <p:bgRef idx="1001">
-        <a:schemeClr val="bg1"/>
-      </p:bgRef>
+      <p:bgPr>
+        <a:blipFill dpi="0" rotWithShape="1">
+          <a:blip r:embed="rId13">
+            <a:lum/>
+            <a:extLst>
+              <a:ext uri="{BEBA8EAE-BF5A-486C-A8C5-ECC9F3942E4B}">
+                <a14:imgProps xmlns:a14="http://schemas.microsoft.com/office/drawing/2010/main">
+                  <a14:imgLayer r:embed="rId14">
+                    <a14:imgEffect>
+                      <a14:artisticBlur radius="6"/>
+                    </a14:imgEffect>
+                  </a14:imgLayer>
+                </a14:imgProps>
+              </a:ext>
+            </a:extLst>
+          </a:blip>
+          <a:srcRect/>
+          <a:stretch>
+            <a:fillRect l="-20000" r="-20000"/>
+          </a:stretch>
+        </a:blipFill>
+        <a:effectLst/>
+      </p:bgPr>
     </p:bg>
     <p:spTree>
       <p:nvGrpSpPr>
@@ -3711,6 +3731,32 @@
 <file path=ppt/slides/slide1.xml><?xml version="1.0" encoding="utf-8"?>
 <p:sld xmlns:a="http://schemas.openxmlformats.org/drawingml/2006/main" xmlns:r="http://schemas.openxmlformats.org/officeDocument/2006/relationships" xmlns:p="http://schemas.openxmlformats.org/presentationml/2006/main">
   <p:cSld>
+    <p:bg>
+      <p:bgPr>
+        <a:blipFill dpi="0" rotWithShape="1">
+          <a:blip r:embed="rId3">
+            <a:alphaModFix amt="28000"/>
+            <a:lum/>
+            <a:extLst>
+              <a:ext uri="{BEBA8EAE-BF5A-486C-A8C5-ECC9F3942E4B}">
+                <a14:imgProps xmlns:a14="http://schemas.microsoft.com/office/drawing/2010/main">
+                  <a14:imgLayer r:embed="rId4">
+                    <a14:imgEffect>
+                      <a14:artisticBlur radius="6"/>
+                    </a14:imgEffect>
+                  </a14:imgLayer>
+                </a14:imgProps>
+              </a:ext>
+            </a:extLst>
+          </a:blip>
+          <a:srcRect/>
+          <a:stretch>
+            <a:fillRect l="-20000" r="-20000"/>
+          </a:stretch>
+        </a:blipFill>
+        <a:effectLst/>
+      </p:bgPr>
+    </p:bg>
     <p:spTree>
       <p:nvGrpSpPr>
         <p:cNvPr id="1" name=""/>
@@ -3740,7 +3786,7 @@
           <p:nvPr/>
         </p:nvPicPr>
         <p:blipFill>
-          <a:blip r:embed="rId3">
+          <a:blip r:embed="rId5">
             <a:extLst>
               <a:ext uri="{28A0092B-C50C-407E-A947-70E740481C1C}">
                 <a14:useLocalDpi xmlns:a14="http://schemas.microsoft.com/office/drawing/2010/main" val="0"/>
@@ -3753,12 +3799,17 @@
         </p:blipFill>
         <p:spPr>
           <a:xfrm>
-            <a:off x="2361407" y="3031650"/>
+            <a:off x="2443828" y="2998017"/>
             <a:ext cx="4713543" cy="3567760"/>
           </a:xfrm>
           <a:prstGeom prst="rect">
             <a:avLst/>
           </a:prstGeom>
+          <a:effectLst>
+            <a:glow rad="393700">
+              <a:srgbClr val="FFFF00"/>
+            </a:glow>
+          </a:effectLst>
         </p:spPr>
       </p:pic>
       <p:sp>
@@ -3775,8 +3826,8 @@
         </p:nvSpPr>
         <p:spPr>
           <a:xfrm>
-            <a:off x="1297368" y="244636"/>
-            <a:ext cx="9052560" cy="1015663"/>
+            <a:off x="453451" y="265967"/>
+            <a:ext cx="8694295" cy="1323439"/>
           </a:xfrm>
           <a:prstGeom prst="rect">
             <a:avLst/>
@@ -3791,7 +3842,47 @@
           <a:p>
             <a:pPr algn="ctr"/>
             <a:r>
-              <a:rPr kumimoji="1" lang="ja-JP" altLang="en-US" sz="6000" dirty="0"/>
+              <a:rPr kumimoji="1" lang="ja-JP" altLang="en-US" sz="8000" dirty="0">
+                <a:ln w="15875">
+                  <a:solidFill>
+                    <a:schemeClr val="tx1">
+                      <a:lumMod val="65000"/>
+                      <a:lumOff val="35000"/>
+                    </a:schemeClr>
+                  </a:solidFill>
+                </a:ln>
+                <a:gradFill flip="none" rotWithShape="1">
+                  <a:gsLst>
+                    <a:gs pos="0">
+                      <a:schemeClr val="accent1">
+                        <a:lumMod val="60000"/>
+                        <a:lumOff val="40000"/>
+                      </a:schemeClr>
+                    </a:gs>
+                    <a:gs pos="56000">
+                      <a:schemeClr val="accent4">
+                        <a:lumMod val="0"/>
+                        <a:lumOff val="100000"/>
+                      </a:schemeClr>
+                    </a:gs>
+                    <a:gs pos="100000">
+                      <a:schemeClr val="accent1">
+                        <a:lumMod val="60000"/>
+                        <a:lumOff val="40000"/>
+                      </a:schemeClr>
+                    </a:gs>
+                  </a:gsLst>
+                  <a:lin ang="2700000" scaled="1"/>
+                  <a:tileRect/>
+                </a:gradFill>
+                <a:effectLst>
+                  <a:glow rad="355600">
+                    <a:srgbClr val="00B0F0"/>
+                  </a:glow>
+                </a:effectLst>
+                <a:latin typeface="どきどきファンタジア" panose="02000900000000000000" pitchFamily="50" charset="-128"/>
+                <a:ea typeface="どきどきファンタジア" panose="02000900000000000000" pitchFamily="50" charset="-128"/>
+              </a:rPr>
               <a:t>南極で生きる方法</a:t>
             </a:r>
           </a:p>
@@ -3811,8 +3902,8 @@
         </p:nvSpPr>
         <p:spPr>
           <a:xfrm>
-            <a:off x="184847" y="1487750"/>
-            <a:ext cx="2225043" cy="830997"/>
+            <a:off x="182796" y="2058870"/>
+            <a:ext cx="2547048" cy="1107996"/>
           </a:xfrm>
           <a:prstGeom prst="rect">
             <a:avLst/>
@@ -3827,7 +3918,18 @@
           <a:p>
             <a:pPr algn="ctr"/>
             <a:r>
-              <a:rPr kumimoji="1" lang="ja-JP" altLang="en-US" sz="4800" dirty="0"/>
+              <a:rPr kumimoji="1" lang="ja-JP" altLang="en-US" sz="6600" dirty="0">
+                <a:solidFill>
+                  <a:schemeClr val="bg1"/>
+                </a:solidFill>
+                <a:effectLst>
+                  <a:glow rad="368300">
+                    <a:srgbClr val="0070C0"/>
+                  </a:glow>
+                </a:effectLst>
+                <a:latin typeface="どきどきファンタジア" panose="02000900000000000000" pitchFamily="50" charset="-128"/>
+                <a:ea typeface="どきどきファンタジア" panose="02000900000000000000" pitchFamily="50" charset="-128"/>
+              </a:rPr>
               <a:t>移動</a:t>
             </a:r>
           </a:p>
@@ -3848,7 +3950,7 @@
           <p:nvPr/>
         </p:nvPicPr>
         <p:blipFill>
-          <a:blip r:embed="rId4">
+          <a:blip r:embed="rId6">
             <a:extLst>
               <a:ext uri="{28A0092B-C50C-407E-A947-70E740481C1C}">
                 <a14:useLocalDpi xmlns:a14="http://schemas.microsoft.com/office/drawing/2010/main" val="0"/>
@@ -3861,7 +3963,7 @@
         </p:blipFill>
         <p:spPr>
           <a:xfrm>
-            <a:off x="2019758" y="1219544"/>
+            <a:off x="451044" y="3361097"/>
             <a:ext cx="2547048" cy="2750579"/>
           </a:xfrm>
           <a:prstGeom prst="rect">
@@ -3884,7 +3986,7 @@
           <p:nvPr/>
         </p:nvPicPr>
         <p:blipFill>
-          <a:blip r:embed="rId5">
+          <a:blip r:embed="rId7">
             <a:extLst>
               <a:ext uri="{28A0092B-C50C-407E-A947-70E740481C1C}">
                 <a14:useLocalDpi xmlns:a14="http://schemas.microsoft.com/office/drawing/2010/main" val="0"/>
@@ -3896,7 +3998,7 @@
         </p:blipFill>
         <p:spPr>
           <a:xfrm>
-            <a:off x="6319944" y="1776249"/>
+            <a:off x="6015987" y="2722300"/>
             <a:ext cx="3781668" cy="3139656"/>
           </a:xfrm>
           <a:prstGeom prst="rect">
@@ -3918,8 +4020,8 @@
         </p:nvSpPr>
         <p:spPr>
           <a:xfrm>
-            <a:off x="4962686" y="1457761"/>
-            <a:ext cx="4224528" cy="830997"/>
+            <a:off x="5153307" y="2126250"/>
+            <a:ext cx="4224528" cy="923330"/>
           </a:xfrm>
           <a:prstGeom prst="rect">
             <a:avLst/>
@@ -3934,7 +4036,18 @@
           <a:p>
             <a:pPr algn="ctr"/>
             <a:r>
-              <a:rPr kumimoji="1" lang="ja-JP" altLang="en-US" sz="4800" dirty="0"/>
+              <a:rPr kumimoji="1" lang="ja-JP" altLang="en-US" sz="5400" dirty="0">
+                <a:solidFill>
+                  <a:schemeClr val="bg1"/>
+                </a:solidFill>
+                <a:effectLst>
+                  <a:glow rad="215900">
+                    <a:srgbClr val="FF0000"/>
+                  </a:glow>
+                </a:effectLst>
+                <a:latin typeface="どきどきファンタジア" panose="02000900000000000000" pitchFamily="50" charset="-128"/>
+                <a:ea typeface="どきどきファンタジア" panose="02000900000000000000" pitchFamily="50" charset="-128"/>
+              </a:rPr>
               <a:t>つっつき</a:t>
             </a:r>
           </a:p>
@@ -3955,7 +4068,7 @@
           <p:nvPr/>
         </p:nvPicPr>
         <p:blipFill>
-          <a:blip r:embed="rId6">
+          <a:blip r:embed="rId8">
             <a:extLst>
               <a:ext uri="{28A0092B-C50C-407E-A947-70E740481C1C}">
                 <a14:useLocalDpi xmlns:a14="http://schemas.microsoft.com/office/drawing/2010/main" val="0"/>
@@ -3968,8 +4081,8 @@
         </p:blipFill>
         <p:spPr>
           <a:xfrm>
-            <a:off x="7653968" y="5018858"/>
-            <a:ext cx="2107396" cy="2009995"/>
+            <a:off x="7409384" y="5321061"/>
+            <a:ext cx="2806543" cy="2676828"/>
           </a:xfrm>
           <a:prstGeom prst="rect">
             <a:avLst/>
@@ -3991,7 +4104,7 @@
           <p:nvPr/>
         </p:nvPicPr>
         <p:blipFill>
-          <a:blip r:embed="rId7">
+          <a:blip r:embed="rId9">
             <a:extLst>
               <a:ext uri="{28A0092B-C50C-407E-A947-70E740481C1C}">
                 <a14:useLocalDpi xmlns:a14="http://schemas.microsoft.com/office/drawing/2010/main" val="0"/>
@@ -4009,6 +4122,20 @@
           <a:prstGeom prst="rect">
             <a:avLst/>
           </a:prstGeom>
+          <a:ln w="139700">
+            <a:solidFill>
+              <a:schemeClr val="accent1">
+                <a:lumMod val="75000"/>
+              </a:schemeClr>
+            </a:solidFill>
+          </a:ln>
+          <a:effectLst>
+            <a:outerShdw blurRad="114300" dist="38100" dir="2700000" sx="102000" sy="102000" algn="tl" rotWithShape="0">
+              <a:prstClr val="black">
+                <a:alpha val="40000"/>
+              </a:prstClr>
+            </a:outerShdw>
+          </a:effectLst>
         </p:spPr>
       </p:pic>
       <p:sp>
@@ -4025,13 +4152,25 @@
         </p:nvSpPr>
         <p:spPr>
           <a:xfrm>
-            <a:off x="4498314" y="6300809"/>
-            <a:ext cx="3712464" cy="830997"/>
+            <a:off x="4498314" y="6257554"/>
+            <a:ext cx="3712464" cy="1015663"/>
           </a:xfrm>
           <a:prstGeom prst="rect">
             <a:avLst/>
           </a:prstGeom>
           <a:noFill/>
+          <a:ln>
+            <a:noFill/>
+          </a:ln>
+          <a:effectLst>
+            <a:glow>
+              <a:schemeClr val="accent3">
+                <a:lumMod val="40000"/>
+                <a:lumOff val="60000"/>
+                <a:alpha val="40000"/>
+              </a:schemeClr>
+            </a:glow>
+          </a:effectLst>
         </p:spPr>
         <p:txBody>
           <a:bodyPr wrap="square" rtlCol="0" anchor="ctr">
@@ -4041,7 +4180,21 @@
           <a:p>
             <a:pPr algn="ctr"/>
             <a:r>
-              <a:rPr kumimoji="1" lang="ja-JP" altLang="en-US" sz="4800" dirty="0"/>
+              <a:rPr kumimoji="1" lang="ja-JP" altLang="en-US" sz="6000" dirty="0">
+                <a:ln w="3175">
+                  <a:noFill/>
+                </a:ln>
+                <a:solidFill>
+                  <a:schemeClr val="bg1"/>
+                </a:solidFill>
+                <a:effectLst>
+                  <a:glow rad="419100">
+                    <a:srgbClr val="00B050"/>
+                  </a:glow>
+                </a:effectLst>
+                <a:latin typeface="どきどきファンタジア" panose="02000900000000000000" pitchFamily="50" charset="-128"/>
+                <a:ea typeface="どきどきファンタジア" panose="02000900000000000000" pitchFamily="50" charset="-128"/>
+              </a:rPr>
               <a:t>ジャンプ</a:t>
             </a:r>
           </a:p>
@@ -4061,12 +4214,23 @@
         </p:nvSpPr>
         <p:spPr>
           <a:xfrm rot="2625270">
-            <a:off x="923538" y="3322579"/>
-            <a:ext cx="2696779" cy="137080"/>
+            <a:off x="2375482" y="3819790"/>
+            <a:ext cx="1258011" cy="188074"/>
           </a:xfrm>
           <a:prstGeom prst="rect">
             <a:avLst/>
           </a:prstGeom>
+          <a:solidFill>
+            <a:schemeClr val="bg1"/>
+          </a:solidFill>
+          <a:ln>
+            <a:noFill/>
+          </a:ln>
+          <a:effectLst>
+            <a:glow rad="330200">
+              <a:srgbClr val="0070C0"/>
+            </a:glow>
+          </a:effectLst>
         </p:spPr>
         <p:style>
           <a:lnRef idx="2">
@@ -4089,7 +4253,13 @@
           <a:lstStyle/>
           <a:p>
             <a:pPr algn="ctr"/>
-            <a:endParaRPr kumimoji="1" lang="ja-JP" altLang="en-US"/>
+            <a:endParaRPr kumimoji="1" lang="ja-JP" altLang="en-US">
+              <a:effectLst>
+                <a:glow rad="762000">
+                  <a:schemeClr val="tx1"/>
+                </a:glow>
+              </a:effectLst>
+            </a:endParaRPr>
           </a:p>
         </p:txBody>
       </p:sp>
@@ -4107,12 +4277,23 @@
         </p:nvSpPr>
         <p:spPr>
           <a:xfrm rot="6157607">
-            <a:off x="5328341" y="3197908"/>
-            <a:ext cx="1941055" cy="111428"/>
+            <a:off x="5679643" y="3661110"/>
+            <a:ext cx="1011303" cy="86933"/>
           </a:xfrm>
           <a:prstGeom prst="rect">
             <a:avLst/>
           </a:prstGeom>
+          <a:solidFill>
+            <a:schemeClr val="bg1"/>
+          </a:solidFill>
+          <a:ln>
+            <a:noFill/>
+          </a:ln>
+          <a:effectLst>
+            <a:glow rad="279400">
+              <a:srgbClr val="FF0000"/>
+            </a:glow>
+          </a:effectLst>
         </p:spPr>
         <p:style>
           <a:lnRef idx="2">
@@ -4159,6 +4340,17 @@
           <a:prstGeom prst="rect">
             <a:avLst/>
           </a:prstGeom>
+          <a:solidFill>
+            <a:schemeClr val="bg1"/>
+          </a:solidFill>
+          <a:ln>
+            <a:noFill/>
+          </a:ln>
+          <a:effectLst>
+            <a:glow rad="317500">
+              <a:srgbClr val="00B050"/>
+            </a:glow>
+          </a:effectLst>
         </p:spPr>
         <p:style>
           <a:lnRef idx="2">
@@ -4200,7 +4392,7 @@
           <p:nvPr/>
         </p:nvPicPr>
         <p:blipFill>
-          <a:blip r:embed="rId8">
+          <a:blip r:embed="rId10">
             <a:extLst>
               <a:ext uri="{28A0092B-C50C-407E-A947-70E740481C1C}">
                 <a14:useLocalDpi xmlns:a14="http://schemas.microsoft.com/office/drawing/2010/main" val="0"/>
@@ -4255,56 +4447,65 @@
           <a:p>
             <a:pPr algn="ctr"/>
             <a:r>
-              <a:rPr kumimoji="1" lang="ja-JP" altLang="en-US" sz="6000" dirty="0"/>
+              <a:rPr kumimoji="1" lang="ja-JP" altLang="en-US" sz="6000" dirty="0">
+                <a:ln w="6350">
+                  <a:solidFill>
+                    <a:schemeClr val="tx1"/>
+                  </a:solidFill>
+                </a:ln>
+                <a:solidFill>
+                  <a:schemeClr val="bg1"/>
+                </a:solidFill>
+                <a:effectLst>
+                  <a:glow rad="292100">
+                    <a:srgbClr val="FFFF00"/>
+                  </a:glow>
+                </a:effectLst>
+                <a:latin typeface="どきどきファンタジア" panose="02000900000000000000" pitchFamily="50" charset="-128"/>
+                <a:ea typeface="どきどきファンタジア" panose="02000900000000000000" pitchFamily="50" charset="-128"/>
+              </a:rPr>
               <a:t>アクションを活かして</a:t>
             </a:r>
-            <a:endParaRPr kumimoji="1" lang="en-US" altLang="ja-JP" sz="6000" dirty="0"/>
+            <a:endParaRPr kumimoji="1" lang="en-US" altLang="ja-JP" sz="6000" dirty="0">
+              <a:ln w="6350">
+                <a:solidFill>
+                  <a:schemeClr val="tx1"/>
+                </a:solidFill>
+              </a:ln>
+              <a:solidFill>
+                <a:schemeClr val="bg1"/>
+              </a:solidFill>
+              <a:effectLst>
+                <a:glow rad="292100">
+                  <a:srgbClr val="FFFF00"/>
+                </a:glow>
+              </a:effectLst>
+              <a:latin typeface="どきどきファンタジア" panose="02000900000000000000" pitchFamily="50" charset="-128"/>
+              <a:ea typeface="どきどきファンタジア" panose="02000900000000000000" pitchFamily="50" charset="-128"/>
+            </a:endParaRPr>
           </a:p>
           <a:p>
             <a:pPr algn="ctr"/>
             <a:r>
-              <a:rPr kumimoji="1" lang="ja-JP" altLang="en-US" sz="6000" dirty="0"/>
+              <a:rPr kumimoji="1" lang="ja-JP" altLang="en-US" sz="6000" dirty="0">
+                <a:ln w="6350">
+                  <a:solidFill>
+                    <a:schemeClr val="tx1"/>
+                  </a:solidFill>
+                </a:ln>
+                <a:solidFill>
+                  <a:schemeClr val="bg1"/>
+                </a:solidFill>
+                <a:effectLst>
+                  <a:glow rad="292100">
+                    <a:srgbClr val="FFFF00"/>
+                  </a:glow>
+                </a:effectLst>
+                <a:latin typeface="どきどきファンタジア" panose="02000900000000000000" pitchFamily="50" charset="-128"/>
+                <a:ea typeface="どきどきファンタジア" panose="02000900000000000000" pitchFamily="50" charset="-128"/>
+              </a:rPr>
               <a:t>氷を切り離す！</a:t>
             </a:r>
-          </a:p>
-        </p:txBody>
-      </p:sp>
-      <p:sp>
-        <p:nvSpPr>
-          <p:cNvPr id="29" name="テキスト ボックス 28">
-            <a:extLst>
-              <a:ext uri="{FF2B5EF4-FFF2-40B4-BE49-F238E27FC236}">
-                <a16:creationId xmlns:a16="http://schemas.microsoft.com/office/drawing/2014/main" id="{76C4D194-500D-950A-4A08-BC7545CF07E4}"/>
-              </a:ext>
-            </a:extLst>
-          </p:cNvPr>
-          <p:cNvSpPr txBox="1"/>
-          <p:nvPr/>
-        </p:nvSpPr>
-        <p:spPr>
-          <a:xfrm>
-            <a:off x="0" y="1593"/>
-            <a:ext cx="2409890" cy="769441"/>
-          </a:xfrm>
-          <a:prstGeom prst="rect">
-            <a:avLst/>
-          </a:prstGeom>
-          <a:solidFill>
-            <a:srgbClr val="FFC000"/>
-          </a:solidFill>
-        </p:spPr>
-        <p:txBody>
-          <a:bodyPr wrap="square" rtlCol="0" anchor="ctr">
-            <a:spAutoFit/>
-          </a:bodyPr>
-          <a:lstStyle/>
-          <a:p>
-            <a:pPr algn="ctr"/>
-            <a:r>
-              <a:rPr kumimoji="1" lang="en-US" altLang="ja-JP" sz="4400" dirty="0"/>
-              <a:t>MANUAL</a:t>
-            </a:r>
-            <a:endParaRPr kumimoji="1" lang="ja-JP" altLang="en-US" sz="4400" dirty="0"/>
           </a:p>
         </p:txBody>
       </p:sp>
@@ -4324,6 +4525,20 @@
 <file path=ppt/slides/slide2.xml><?xml version="1.0" encoding="utf-8"?>
 <p:sld xmlns:a="http://schemas.openxmlformats.org/drawingml/2006/main" xmlns:r="http://schemas.openxmlformats.org/officeDocument/2006/relationships" xmlns:p="http://schemas.openxmlformats.org/presentationml/2006/main">
   <p:cSld>
+    <p:bg>
+      <p:bgPr>
+        <a:blipFill dpi="0" rotWithShape="1">
+          <a:blip r:embed="rId2">
+            <a:lum/>
+          </a:blip>
+          <a:srcRect/>
+          <a:stretch>
+            <a:fillRect t="-2000" b="-2000"/>
+          </a:stretch>
+        </a:blipFill>
+        <a:effectLst/>
+      </p:bgPr>
+    </p:bg>
     <p:spTree>
       <p:nvGrpSpPr>
         <p:cNvPr id="1" name="">
@@ -4344,318 +4559,245 @@
           <a:chExt cx="0" cy="0"/>
         </a:xfrm>
       </p:grpSpPr>
+      <p:sp>
+        <p:nvSpPr>
+          <p:cNvPr id="26" name="楕円 25">
+            <a:extLst>
+              <a:ext uri="{FF2B5EF4-FFF2-40B4-BE49-F238E27FC236}">
+                <a16:creationId xmlns:a16="http://schemas.microsoft.com/office/drawing/2014/main" id="{5FC2815D-5A6D-5B2B-553B-4AB608B82BBC}"/>
+              </a:ext>
+            </a:extLst>
+          </p:cNvPr>
+          <p:cNvSpPr/>
+          <p:nvPr/>
+        </p:nvSpPr>
+        <p:spPr>
+          <a:xfrm>
+            <a:off x="3018526" y="9746699"/>
+            <a:ext cx="6435365" cy="3004483"/>
+          </a:xfrm>
+          <a:prstGeom prst="ellipse">
+            <a:avLst/>
+          </a:prstGeom>
+          <a:solidFill>
+            <a:srgbClr val="F0EA00"/>
+          </a:solidFill>
+          <a:ln w="101600">
+            <a:solidFill>
+              <a:schemeClr val="accent2">
+                <a:lumMod val="75000"/>
+              </a:schemeClr>
+            </a:solidFill>
+          </a:ln>
+          <a:effectLst/>
+        </p:spPr>
+        <p:style>
+          <a:lnRef idx="2">
+            <a:schemeClr val="accent1">
+              <a:shade val="15000"/>
+            </a:schemeClr>
+          </a:lnRef>
+          <a:fillRef idx="1">
+            <a:schemeClr val="accent1"/>
+          </a:fillRef>
+          <a:effectRef idx="0">
+            <a:schemeClr val="accent1"/>
+          </a:effectRef>
+          <a:fontRef idx="minor">
+            <a:schemeClr val="lt1"/>
+          </a:fontRef>
+        </p:style>
+        <p:txBody>
+          <a:bodyPr rtlCol="0" anchor="ctr"/>
+          <a:lstStyle/>
+          <a:p>
+            <a:pPr algn="ctr"/>
+            <a:endParaRPr kumimoji="1" lang="ja-JP" altLang="en-US"/>
+          </a:p>
+        </p:txBody>
+      </p:sp>
+      <p:sp>
+        <p:nvSpPr>
+          <p:cNvPr id="25" name="楕円 24">
+            <a:extLst>
+              <a:ext uri="{FF2B5EF4-FFF2-40B4-BE49-F238E27FC236}">
+                <a16:creationId xmlns:a16="http://schemas.microsoft.com/office/drawing/2014/main" id="{A51E6C30-E6B8-870F-C62B-38BEBAFEC87C}"/>
+              </a:ext>
+            </a:extLst>
+          </p:cNvPr>
+          <p:cNvSpPr/>
+          <p:nvPr/>
+        </p:nvSpPr>
+        <p:spPr>
+          <a:xfrm>
+            <a:off x="-252615" y="6722615"/>
+            <a:ext cx="7164874" cy="3345070"/>
+          </a:xfrm>
+          <a:prstGeom prst="ellipse">
+            <a:avLst/>
+          </a:prstGeom>
+          <a:solidFill>
+            <a:schemeClr val="accent1">
+              <a:lumMod val="40000"/>
+              <a:lumOff val="60000"/>
+            </a:schemeClr>
+          </a:solidFill>
+          <a:ln w="101600">
+            <a:solidFill>
+              <a:schemeClr val="tx2">
+                <a:lumMod val="75000"/>
+                <a:lumOff val="25000"/>
+              </a:schemeClr>
+            </a:solidFill>
+          </a:ln>
+          <a:effectLst/>
+        </p:spPr>
+        <p:style>
+          <a:lnRef idx="2">
+            <a:schemeClr val="accent1">
+              <a:shade val="15000"/>
+            </a:schemeClr>
+          </a:lnRef>
+          <a:fillRef idx="1">
+            <a:schemeClr val="accent1"/>
+          </a:fillRef>
+          <a:effectRef idx="0">
+            <a:schemeClr val="accent1"/>
+          </a:effectRef>
+          <a:fontRef idx="minor">
+            <a:schemeClr val="lt1"/>
+          </a:fontRef>
+        </p:style>
+        <p:txBody>
+          <a:bodyPr rtlCol="0" anchor="ctr"/>
+          <a:lstStyle/>
+          <a:p>
+            <a:pPr algn="ctr"/>
+            <a:endParaRPr kumimoji="1" lang="ja-JP" altLang="en-US"/>
+          </a:p>
+        </p:txBody>
+      </p:sp>
+      <p:sp>
+        <p:nvSpPr>
+          <p:cNvPr id="23" name="楕円 22">
+            <a:extLst>
+              <a:ext uri="{FF2B5EF4-FFF2-40B4-BE49-F238E27FC236}">
+                <a16:creationId xmlns:a16="http://schemas.microsoft.com/office/drawing/2014/main" id="{F6E3E41C-0A95-F87D-7E12-24C9C73636E0}"/>
+              </a:ext>
+            </a:extLst>
+          </p:cNvPr>
+          <p:cNvSpPr/>
+          <p:nvPr/>
+        </p:nvSpPr>
+        <p:spPr>
+          <a:xfrm>
+            <a:off x="0" y="1044243"/>
+            <a:ext cx="6727745" cy="3140987"/>
+          </a:xfrm>
+          <a:prstGeom prst="ellipse">
+            <a:avLst/>
+          </a:prstGeom>
+          <a:solidFill>
+            <a:schemeClr val="accent3">
+              <a:lumMod val="40000"/>
+              <a:lumOff val="60000"/>
+            </a:schemeClr>
+          </a:solidFill>
+          <a:ln w="101600">
+            <a:solidFill>
+              <a:srgbClr val="00B050"/>
+            </a:solidFill>
+          </a:ln>
+          <a:effectLst/>
+        </p:spPr>
+        <p:style>
+          <a:lnRef idx="2">
+            <a:schemeClr val="accent1">
+              <a:shade val="15000"/>
+            </a:schemeClr>
+          </a:lnRef>
+          <a:fillRef idx="1">
+            <a:schemeClr val="accent1"/>
+          </a:fillRef>
+          <a:effectRef idx="0">
+            <a:schemeClr val="accent1"/>
+          </a:effectRef>
+          <a:fontRef idx="minor">
+            <a:schemeClr val="lt1"/>
+          </a:fontRef>
+        </p:style>
+        <p:txBody>
+          <a:bodyPr rtlCol="0" anchor="ctr"/>
+          <a:lstStyle/>
+          <a:p>
+            <a:pPr algn="ctr"/>
+            <a:endParaRPr kumimoji="1" lang="ja-JP" altLang="en-US"/>
+          </a:p>
+        </p:txBody>
+      </p:sp>
+      <p:sp>
+        <p:nvSpPr>
+          <p:cNvPr id="24" name="楕円 23">
+            <a:extLst>
+              <a:ext uri="{FF2B5EF4-FFF2-40B4-BE49-F238E27FC236}">
+                <a16:creationId xmlns:a16="http://schemas.microsoft.com/office/drawing/2014/main" id="{641293E8-4706-9C34-BD57-2D1076DEA27C}"/>
+              </a:ext>
+            </a:extLst>
+          </p:cNvPr>
+          <p:cNvSpPr/>
+          <p:nvPr/>
+        </p:nvSpPr>
+        <p:spPr>
+          <a:xfrm>
+            <a:off x="2757557" y="3743206"/>
+            <a:ext cx="6957305" cy="3248162"/>
+          </a:xfrm>
+          <a:prstGeom prst="ellipse">
+            <a:avLst/>
+          </a:prstGeom>
+          <a:solidFill>
+            <a:srgbClr val="FFC000"/>
+          </a:solidFill>
+          <a:ln w="101600">
+            <a:solidFill>
+              <a:schemeClr val="accent2">
+                <a:lumMod val="75000"/>
+              </a:schemeClr>
+            </a:solidFill>
+          </a:ln>
+          <a:effectLst/>
+        </p:spPr>
+        <p:style>
+          <a:lnRef idx="2">
+            <a:schemeClr val="accent1">
+              <a:shade val="15000"/>
+            </a:schemeClr>
+          </a:lnRef>
+          <a:fillRef idx="1">
+            <a:schemeClr val="accent1"/>
+          </a:fillRef>
+          <a:effectRef idx="0">
+            <a:schemeClr val="accent1"/>
+          </a:effectRef>
+          <a:fontRef idx="minor">
+            <a:schemeClr val="lt1"/>
+          </a:fontRef>
+        </p:style>
+        <p:txBody>
+          <a:bodyPr rtlCol="0" anchor="ctr"/>
+          <a:lstStyle/>
+          <a:p>
+            <a:pPr algn="ctr"/>
+            <a:endParaRPr kumimoji="1" lang="ja-JP" altLang="en-US"/>
+          </a:p>
+        </p:txBody>
+      </p:sp>
       <p:pic>
         <p:nvPicPr>
           <p:cNvPr id="17" name="図 16" descr="暗い, 探す, 食品 が含まれている画像&#10;&#10;自動的に生成された説明">
             <a:extLst>
               <a:ext uri="{FF2B5EF4-FFF2-40B4-BE49-F238E27FC236}">
                 <a16:creationId xmlns:a16="http://schemas.microsoft.com/office/drawing/2014/main" id="{8C0376A1-0D96-BC30-D8C1-A89897120561}"/>
-              </a:ext>
-            </a:extLst>
-          </p:cNvPr>
-          <p:cNvPicPr>
-            <a:picLocks noChangeAspect="1"/>
-          </p:cNvPicPr>
-          <p:nvPr/>
-        </p:nvPicPr>
-        <p:blipFill>
-          <a:blip r:embed="rId2">
-            <a:extLst>
-              <a:ext uri="{28A0092B-C50C-407E-A947-70E740481C1C}">
-                <a14:useLocalDpi xmlns:a14="http://schemas.microsoft.com/office/drawing/2010/main" val="0"/>
-              </a:ext>
-            </a:extLst>
-          </a:blip>
-          <a:srcRect b="27030"/>
-          <a:stretch/>
-        </p:blipFill>
-        <p:spPr>
-          <a:xfrm>
-            <a:off x="-946094" y="3996137"/>
-            <a:ext cx="5284372" cy="2442257"/>
-          </a:xfrm>
-          <a:prstGeom prst="rect">
-            <a:avLst/>
-          </a:prstGeom>
-        </p:spPr>
-      </p:pic>
-      <p:sp>
-        <p:nvSpPr>
-          <p:cNvPr id="4" name="テキスト ボックス 3">
-            <a:extLst>
-              <a:ext uri="{FF2B5EF4-FFF2-40B4-BE49-F238E27FC236}">
-                <a16:creationId xmlns:a16="http://schemas.microsoft.com/office/drawing/2014/main" id="{1692A112-0D08-8FC5-7C93-61C2F9935EC4}"/>
-              </a:ext>
-            </a:extLst>
-          </p:cNvPr>
-          <p:cNvSpPr txBox="1"/>
-          <p:nvPr/>
-        </p:nvSpPr>
-        <p:spPr>
-          <a:xfrm>
-            <a:off x="3129358" y="169408"/>
-            <a:ext cx="6478172" cy="830997"/>
-          </a:xfrm>
-          <a:prstGeom prst="rect">
-            <a:avLst/>
-          </a:prstGeom>
-          <a:noFill/>
-        </p:spPr>
-        <p:txBody>
-          <a:bodyPr wrap="square" rtlCol="0" anchor="ctr">
-            <a:spAutoFit/>
-          </a:bodyPr>
-          <a:lstStyle/>
-          <a:p>
-            <a:pPr algn="ctr"/>
-            <a:r>
-              <a:rPr kumimoji="1" lang="ja-JP" altLang="en-US" sz="4800" dirty="0"/>
-              <a:t>観測できる生き物たち</a:t>
-            </a:r>
-          </a:p>
-        </p:txBody>
-      </p:sp>
-      <p:sp>
-        <p:nvSpPr>
-          <p:cNvPr id="2" name="テキスト ボックス 1">
-            <a:extLst>
-              <a:ext uri="{FF2B5EF4-FFF2-40B4-BE49-F238E27FC236}">
-                <a16:creationId xmlns:a16="http://schemas.microsoft.com/office/drawing/2014/main" id="{818F3CC1-1AEE-8371-9A10-B4491DDD3FE1}"/>
-              </a:ext>
-            </a:extLst>
-          </p:cNvPr>
-          <p:cNvSpPr txBox="1"/>
-          <p:nvPr/>
-        </p:nvSpPr>
-        <p:spPr>
-          <a:xfrm>
-            <a:off x="6309360" y="4151250"/>
-            <a:ext cx="3291840" cy="830997"/>
-          </a:xfrm>
-          <a:prstGeom prst="rect">
-            <a:avLst/>
-          </a:prstGeom>
-          <a:noFill/>
-        </p:spPr>
-        <p:txBody>
-          <a:bodyPr wrap="square" rtlCol="0" anchor="ctr">
-            <a:spAutoFit/>
-          </a:bodyPr>
-          <a:lstStyle/>
-          <a:p>
-            <a:pPr algn="ctr"/>
-            <a:r>
-              <a:rPr kumimoji="1" lang="ja-JP" altLang="en-US" sz="4800" dirty="0"/>
-              <a:t>アザラシ</a:t>
-            </a:r>
-          </a:p>
-        </p:txBody>
-      </p:sp>
-      <p:sp>
-        <p:nvSpPr>
-          <p:cNvPr id="3" name="テキスト ボックス 2">
-            <a:extLst>
-              <a:ext uri="{FF2B5EF4-FFF2-40B4-BE49-F238E27FC236}">
-                <a16:creationId xmlns:a16="http://schemas.microsoft.com/office/drawing/2014/main" id="{27F39A81-17E8-DFCA-EEF1-3A972DA2568F}"/>
-              </a:ext>
-            </a:extLst>
-          </p:cNvPr>
-          <p:cNvSpPr txBox="1"/>
-          <p:nvPr/>
-        </p:nvSpPr>
-        <p:spPr>
-          <a:xfrm>
-            <a:off x="0" y="1530232"/>
-            <a:ext cx="3060192" cy="830997"/>
-          </a:xfrm>
-          <a:prstGeom prst="rect">
-            <a:avLst/>
-          </a:prstGeom>
-          <a:noFill/>
-        </p:spPr>
-        <p:txBody>
-          <a:bodyPr wrap="square" rtlCol="0" anchor="ctr">
-            <a:spAutoFit/>
-          </a:bodyPr>
-          <a:lstStyle/>
-          <a:p>
-            <a:pPr algn="ctr"/>
-            <a:r>
-              <a:rPr kumimoji="1" lang="ja-JP" altLang="en-US" sz="4800" dirty="0"/>
-              <a:t>ペンギン</a:t>
-            </a:r>
-          </a:p>
-        </p:txBody>
-      </p:sp>
-      <p:sp>
-        <p:nvSpPr>
-          <p:cNvPr id="7" name="テキスト ボックス 6">
-            <a:extLst>
-              <a:ext uri="{FF2B5EF4-FFF2-40B4-BE49-F238E27FC236}">
-                <a16:creationId xmlns:a16="http://schemas.microsoft.com/office/drawing/2014/main" id="{669CBA5D-2F04-0FC4-BA87-D3DBC75EABEE}"/>
-              </a:ext>
-            </a:extLst>
-          </p:cNvPr>
-          <p:cNvSpPr txBox="1"/>
-          <p:nvPr/>
-        </p:nvSpPr>
-        <p:spPr>
-          <a:xfrm>
-            <a:off x="-289560" y="6810213"/>
-            <a:ext cx="3364992" cy="830997"/>
-          </a:xfrm>
-          <a:prstGeom prst="rect">
-            <a:avLst/>
-          </a:prstGeom>
-          <a:noFill/>
-        </p:spPr>
-        <p:txBody>
-          <a:bodyPr wrap="square" rtlCol="0" anchor="ctr">
-            <a:spAutoFit/>
-          </a:bodyPr>
-          <a:lstStyle/>
-          <a:p>
-            <a:pPr algn="ctr"/>
-            <a:r>
-              <a:rPr kumimoji="1" lang="ja-JP" altLang="en-US" sz="4800" dirty="0"/>
-              <a:t>シロクマ</a:t>
-            </a:r>
-          </a:p>
-        </p:txBody>
-      </p:sp>
-      <p:sp>
-        <p:nvSpPr>
-          <p:cNvPr id="8" name="テキスト ボックス 7">
-            <a:extLst>
-              <a:ext uri="{FF2B5EF4-FFF2-40B4-BE49-F238E27FC236}">
-                <a16:creationId xmlns:a16="http://schemas.microsoft.com/office/drawing/2014/main" id="{18EB13B3-851B-D5D6-B422-80F80FF86383}"/>
-              </a:ext>
-            </a:extLst>
-          </p:cNvPr>
-          <p:cNvSpPr txBox="1"/>
-          <p:nvPr/>
-        </p:nvSpPr>
-        <p:spPr>
-          <a:xfrm>
-            <a:off x="146304" y="2241294"/>
-            <a:ext cx="5858256" cy="1200329"/>
-          </a:xfrm>
-          <a:prstGeom prst="rect">
-            <a:avLst/>
-          </a:prstGeom>
-          <a:noFill/>
-        </p:spPr>
-        <p:txBody>
-          <a:bodyPr wrap="square" rtlCol="0" anchor="ctr">
-            <a:spAutoFit/>
-          </a:bodyPr>
-          <a:lstStyle/>
-          <a:p>
-            <a:r>
-              <a:rPr kumimoji="1" lang="ja-JP" altLang="en-US" sz="3600" dirty="0"/>
-              <a:t>あなたが操作するペンギン</a:t>
-            </a:r>
-            <a:endParaRPr kumimoji="1" lang="en-US" altLang="ja-JP" sz="3600" dirty="0"/>
-          </a:p>
-          <a:p>
-            <a:r>
-              <a:rPr kumimoji="1" lang="ja-JP" altLang="en-US" sz="3600" dirty="0"/>
-              <a:t>もたもた動く</a:t>
-            </a:r>
-            <a:endParaRPr kumimoji="1" lang="en-US" altLang="ja-JP" sz="3600" dirty="0"/>
-          </a:p>
-        </p:txBody>
-      </p:sp>
-      <p:sp>
-        <p:nvSpPr>
-          <p:cNvPr id="9" name="テキスト ボックス 8">
-            <a:extLst>
-              <a:ext uri="{FF2B5EF4-FFF2-40B4-BE49-F238E27FC236}">
-                <a16:creationId xmlns:a16="http://schemas.microsoft.com/office/drawing/2014/main" id="{09656FD9-21CF-8D72-DB5D-704E3A9C545E}"/>
-              </a:ext>
-            </a:extLst>
-          </p:cNvPr>
-          <p:cNvSpPr txBox="1"/>
-          <p:nvPr/>
-        </p:nvSpPr>
-        <p:spPr>
-          <a:xfrm>
-            <a:off x="146304" y="7553850"/>
-            <a:ext cx="6876288" cy="1200329"/>
-          </a:xfrm>
-          <a:prstGeom prst="rect">
-            <a:avLst/>
-          </a:prstGeom>
-          <a:noFill/>
-        </p:spPr>
-        <p:txBody>
-          <a:bodyPr wrap="square" rtlCol="0" anchor="ctr">
-            <a:spAutoFit/>
-          </a:bodyPr>
-          <a:lstStyle/>
-          <a:p>
-            <a:r>
-              <a:rPr kumimoji="1" lang="ja-JP" altLang="en-US" sz="3600" dirty="0"/>
-              <a:t>突進の速度がピカイチ</a:t>
-            </a:r>
-            <a:endParaRPr kumimoji="1" lang="en-US" altLang="ja-JP" sz="3600" dirty="0"/>
-          </a:p>
-          <a:p>
-            <a:r>
-              <a:rPr kumimoji="1" lang="ja-JP" altLang="en-US" sz="3600" dirty="0"/>
-              <a:t>ただし、一直線でしか走れない</a:t>
-            </a:r>
-          </a:p>
-        </p:txBody>
-      </p:sp>
-      <p:sp>
-        <p:nvSpPr>
-          <p:cNvPr id="10" name="テキスト ボックス 9">
-            <a:extLst>
-              <a:ext uri="{FF2B5EF4-FFF2-40B4-BE49-F238E27FC236}">
-                <a16:creationId xmlns:a16="http://schemas.microsoft.com/office/drawing/2014/main" id="{381CF76E-6D36-1DB6-7F70-58827BE53A66}"/>
-              </a:ext>
-            </a:extLst>
-          </p:cNvPr>
-          <p:cNvSpPr txBox="1"/>
-          <p:nvPr/>
-        </p:nvSpPr>
-        <p:spPr>
-          <a:xfrm>
-            <a:off x="3060192" y="4399694"/>
-            <a:ext cx="6876288" cy="1200329"/>
-          </a:xfrm>
-          <a:prstGeom prst="rect">
-            <a:avLst/>
-          </a:prstGeom>
-          <a:noFill/>
-        </p:spPr>
-        <p:txBody>
-          <a:bodyPr wrap="square" rtlCol="0" anchor="ctr">
-            <a:spAutoFit/>
-          </a:bodyPr>
-          <a:lstStyle/>
-          <a:p>
-            <a:r>
-              <a:rPr kumimoji="1" lang="ja-JP" altLang="en-US" sz="3600" dirty="0"/>
-              <a:t>かしこい生き物</a:t>
-            </a:r>
-            <a:endParaRPr kumimoji="1" lang="en-US" altLang="ja-JP" sz="3600" dirty="0"/>
-          </a:p>
-          <a:p>
-            <a:r>
-              <a:rPr kumimoji="1" lang="ja-JP" altLang="en-US" sz="3600" dirty="0"/>
-              <a:t>じっくりとえものを追い詰める</a:t>
-            </a:r>
-          </a:p>
-        </p:txBody>
-      </p:sp>
-      <p:pic>
-        <p:nvPicPr>
-          <p:cNvPr id="13" name="図 12" descr="座る, 暗い, フロント, 探す が含まれている画像&#10;&#10;自動的に生成された説明">
-            <a:extLst>
-              <a:ext uri="{FF2B5EF4-FFF2-40B4-BE49-F238E27FC236}">
-                <a16:creationId xmlns:a16="http://schemas.microsoft.com/office/drawing/2014/main" id="{75C2E91F-0C86-0F7A-A012-FA1CED8FA821}"/>
               </a:ext>
             </a:extLst>
           </p:cNvPr>
@@ -4672,26 +4814,467 @@
               </a:ext>
             </a:extLst>
           </a:blip>
-          <a:stretch>
-            <a:fillRect/>
-          </a:stretch>
+          <a:srcRect b="27030"/>
+          <a:stretch/>
         </p:blipFill>
         <p:spPr>
           <a:xfrm>
-            <a:off x="5408232" y="1070577"/>
-            <a:ext cx="2547048" cy="2750579"/>
+            <a:off x="-1072505" y="3969424"/>
+            <a:ext cx="5284372" cy="2442257"/>
           </a:xfrm>
           <a:prstGeom prst="rect">
             <a:avLst/>
           </a:prstGeom>
+          <a:effectLst>
+            <a:outerShdw blurRad="50800" dist="38100" dir="2700000" algn="tl" rotWithShape="0">
+              <a:prstClr val="black">
+                <a:alpha val="40000"/>
+              </a:prstClr>
+            </a:outerShdw>
+          </a:effectLst>
         </p:spPr>
       </p:pic>
+      <p:sp>
+        <p:nvSpPr>
+          <p:cNvPr id="4" name="テキスト ボックス 3">
+            <a:extLst>
+              <a:ext uri="{FF2B5EF4-FFF2-40B4-BE49-F238E27FC236}">
+                <a16:creationId xmlns:a16="http://schemas.microsoft.com/office/drawing/2014/main" id="{1692A112-0D08-8FC5-7C93-61C2F9935EC4}"/>
+              </a:ext>
+            </a:extLst>
+          </p:cNvPr>
+          <p:cNvSpPr txBox="1"/>
+          <p:nvPr/>
+        </p:nvSpPr>
+        <p:spPr>
+          <a:xfrm>
+            <a:off x="300654" y="104548"/>
+            <a:ext cx="9283234" cy="1107996"/>
+          </a:xfrm>
+          <a:prstGeom prst="rect">
+            <a:avLst/>
+          </a:prstGeom>
+          <a:noFill/>
+        </p:spPr>
+        <p:txBody>
+          <a:bodyPr wrap="square" rtlCol="0" anchor="ctr">
+            <a:spAutoFit/>
+          </a:bodyPr>
+          <a:lstStyle/>
+          <a:p>
+            <a:pPr algn="ctr"/>
+            <a:r>
+              <a:rPr kumimoji="1" lang="ja-JP" altLang="en-US" sz="6600" dirty="0">
+                <a:ln>
+                  <a:solidFill>
+                    <a:schemeClr val="tx1">
+                      <a:lumMod val="65000"/>
+                      <a:lumOff val="35000"/>
+                    </a:schemeClr>
+                  </a:solidFill>
+                </a:ln>
+                <a:gradFill flip="none" rotWithShape="1">
+                  <a:gsLst>
+                    <a:gs pos="0">
+                      <a:schemeClr val="accent2">
+                        <a:lumMod val="60000"/>
+                        <a:lumOff val="40000"/>
+                      </a:schemeClr>
+                    </a:gs>
+                    <a:gs pos="26000">
+                      <a:schemeClr val="accent2">
+                        <a:lumMod val="0"/>
+                        <a:lumOff val="100000"/>
+                      </a:schemeClr>
+                    </a:gs>
+                    <a:gs pos="100000">
+                      <a:schemeClr val="accent2">
+                        <a:lumMod val="100000"/>
+                      </a:schemeClr>
+                    </a:gs>
+                  </a:gsLst>
+                  <a:lin ang="2700000" scaled="1"/>
+                  <a:tileRect/>
+                </a:gradFill>
+                <a:effectLst>
+                  <a:glow rad="330200">
+                    <a:srgbClr val="FFFF00"/>
+                  </a:glow>
+                </a:effectLst>
+                <a:latin typeface="どきどきファンタジア" panose="02000900000000000000" pitchFamily="50" charset="-128"/>
+                <a:ea typeface="どきどきファンタジア" panose="02000900000000000000" pitchFamily="50" charset="-128"/>
+              </a:rPr>
+              <a:t>観測できる生き物たち</a:t>
+            </a:r>
+          </a:p>
+        </p:txBody>
+      </p:sp>
+      <p:sp>
+        <p:nvSpPr>
+          <p:cNvPr id="2" name="テキスト ボックス 1">
+            <a:extLst>
+              <a:ext uri="{FF2B5EF4-FFF2-40B4-BE49-F238E27FC236}">
+                <a16:creationId xmlns:a16="http://schemas.microsoft.com/office/drawing/2014/main" id="{818F3CC1-1AEE-8371-9A10-B4491DDD3FE1}"/>
+              </a:ext>
+            </a:extLst>
+          </p:cNvPr>
+          <p:cNvSpPr txBox="1"/>
+          <p:nvPr/>
+        </p:nvSpPr>
+        <p:spPr>
+          <a:xfrm>
+            <a:off x="4565291" y="3839530"/>
+            <a:ext cx="3291840" cy="1015663"/>
+          </a:xfrm>
+          <a:prstGeom prst="rect">
+            <a:avLst/>
+          </a:prstGeom>
+          <a:noFill/>
+        </p:spPr>
+        <p:txBody>
+          <a:bodyPr wrap="square" rtlCol="0" anchor="ctr">
+            <a:spAutoFit/>
+          </a:bodyPr>
+          <a:lstStyle/>
+          <a:p>
+            <a:pPr algn="ctr"/>
+            <a:r>
+              <a:rPr kumimoji="1" lang="ja-JP" altLang="en-US" sz="6000" dirty="0">
+                <a:gradFill flip="none" rotWithShape="1">
+                  <a:gsLst>
+                    <a:gs pos="0">
+                      <a:schemeClr val="accent2">
+                        <a:lumMod val="40000"/>
+                        <a:lumOff val="60000"/>
+                      </a:schemeClr>
+                    </a:gs>
+                    <a:gs pos="46000">
+                      <a:schemeClr val="accent2">
+                        <a:lumMod val="95000"/>
+                        <a:lumOff val="5000"/>
+                      </a:schemeClr>
+                    </a:gs>
+                    <a:gs pos="100000">
+                      <a:schemeClr val="accent2">
+                        <a:lumMod val="60000"/>
+                      </a:schemeClr>
+                    </a:gs>
+                  </a:gsLst>
+                  <a:path path="circle">
+                    <a:fillToRect l="50000" t="130000" r="50000" b="-30000"/>
+                  </a:path>
+                  <a:tileRect/>
+                </a:gradFill>
+                <a:effectLst>
+                  <a:glow rad="228600">
+                    <a:schemeClr val="bg1"/>
+                  </a:glow>
+                </a:effectLst>
+                <a:latin typeface="どきどきファンタジア" panose="02000900000000000000" pitchFamily="50" charset="-128"/>
+                <a:ea typeface="どきどきファンタジア" panose="02000900000000000000" pitchFamily="50" charset="-128"/>
+              </a:rPr>
+              <a:t>アザラシ</a:t>
+            </a:r>
+          </a:p>
+        </p:txBody>
+      </p:sp>
+      <p:sp>
+        <p:nvSpPr>
+          <p:cNvPr id="3" name="テキスト ボックス 2">
+            <a:extLst>
+              <a:ext uri="{FF2B5EF4-FFF2-40B4-BE49-F238E27FC236}">
+                <a16:creationId xmlns:a16="http://schemas.microsoft.com/office/drawing/2014/main" id="{27F39A81-17E8-DFCA-EEF1-3A972DA2568F}"/>
+              </a:ext>
+            </a:extLst>
+          </p:cNvPr>
+          <p:cNvSpPr txBox="1"/>
+          <p:nvPr/>
+        </p:nvSpPr>
+        <p:spPr>
+          <a:xfrm>
+            <a:off x="620095" y="1271381"/>
+            <a:ext cx="3944132" cy="1107996"/>
+          </a:xfrm>
+          <a:prstGeom prst="rect">
+            <a:avLst/>
+          </a:prstGeom>
+          <a:noFill/>
+        </p:spPr>
+        <p:txBody>
+          <a:bodyPr wrap="square" rtlCol="0" anchor="ctr">
+            <a:spAutoFit/>
+          </a:bodyPr>
+          <a:lstStyle/>
+          <a:p>
+            <a:pPr algn="ctr"/>
+            <a:r>
+              <a:rPr kumimoji="1" lang="ja-JP" altLang="en-US" sz="6600" dirty="0">
+                <a:gradFill flip="none" rotWithShape="1">
+                  <a:gsLst>
+                    <a:gs pos="0">
+                      <a:schemeClr val="accent6">
+                        <a:lumMod val="67000"/>
+                      </a:schemeClr>
+                    </a:gs>
+                    <a:gs pos="48000">
+                      <a:schemeClr val="accent6">
+                        <a:lumMod val="97000"/>
+                        <a:lumOff val="3000"/>
+                      </a:schemeClr>
+                    </a:gs>
+                    <a:gs pos="100000">
+                      <a:schemeClr val="accent6">
+                        <a:lumMod val="60000"/>
+                        <a:lumOff val="40000"/>
+                      </a:schemeClr>
+                    </a:gs>
+                  </a:gsLst>
+                  <a:lin ang="16200000" scaled="1"/>
+                  <a:tileRect/>
+                </a:gradFill>
+                <a:effectLst>
+                  <a:glow rad="127000">
+                    <a:schemeClr val="bg1"/>
+                  </a:glow>
+                </a:effectLst>
+                <a:latin typeface="どきどきファンタジア" panose="02000900000000000000" pitchFamily="50" charset="-128"/>
+                <a:ea typeface="どきどきファンタジア" panose="02000900000000000000" pitchFamily="50" charset="-128"/>
+              </a:rPr>
+              <a:t>ペンギン</a:t>
+            </a:r>
+          </a:p>
+        </p:txBody>
+      </p:sp>
+      <p:sp>
+        <p:nvSpPr>
+          <p:cNvPr id="7" name="テキスト ボックス 6">
+            <a:extLst>
+              <a:ext uri="{FF2B5EF4-FFF2-40B4-BE49-F238E27FC236}">
+                <a16:creationId xmlns:a16="http://schemas.microsoft.com/office/drawing/2014/main" id="{669CBA5D-2F04-0FC4-BA87-D3DBC75EABEE}"/>
+              </a:ext>
+            </a:extLst>
+          </p:cNvPr>
+          <p:cNvSpPr txBox="1"/>
+          <p:nvPr/>
+        </p:nvSpPr>
+        <p:spPr>
+          <a:xfrm>
+            <a:off x="1198600" y="6899665"/>
+            <a:ext cx="3743671" cy="1107996"/>
+          </a:xfrm>
+          <a:prstGeom prst="rect">
+            <a:avLst/>
+          </a:prstGeom>
+          <a:noFill/>
+        </p:spPr>
+        <p:txBody>
+          <a:bodyPr wrap="square" rtlCol="0" anchor="ctr">
+            <a:spAutoFit/>
+          </a:bodyPr>
+          <a:lstStyle/>
+          <a:p>
+            <a:pPr algn="ctr"/>
+            <a:r>
+              <a:rPr kumimoji="1" lang="ja-JP" altLang="en-US" sz="6600" dirty="0">
+                <a:gradFill flip="none" rotWithShape="1">
+                  <a:gsLst>
+                    <a:gs pos="0">
+                      <a:schemeClr val="accent1">
+                        <a:lumMod val="67000"/>
+                      </a:schemeClr>
+                    </a:gs>
+                    <a:gs pos="48000">
+                      <a:schemeClr val="accent1">
+                        <a:lumMod val="97000"/>
+                        <a:lumOff val="3000"/>
+                      </a:schemeClr>
+                    </a:gs>
+                    <a:gs pos="100000">
+                      <a:schemeClr val="accent1">
+                        <a:lumMod val="60000"/>
+                        <a:lumOff val="40000"/>
+                      </a:schemeClr>
+                    </a:gs>
+                  </a:gsLst>
+                  <a:lin ang="16200000" scaled="1"/>
+                  <a:tileRect/>
+                </a:gradFill>
+                <a:effectLst>
+                  <a:glow rad="127000">
+                    <a:schemeClr val="bg1"/>
+                  </a:glow>
+                </a:effectLst>
+                <a:latin typeface="どきどきファンタジア" panose="02000900000000000000" pitchFamily="50" charset="-128"/>
+                <a:ea typeface="どきどきファンタジア" panose="02000900000000000000" pitchFamily="50" charset="-128"/>
+              </a:rPr>
+              <a:t>シロクマ</a:t>
+            </a:r>
+          </a:p>
+        </p:txBody>
+      </p:sp>
+      <p:sp>
+        <p:nvSpPr>
+          <p:cNvPr id="8" name="テキスト ボックス 7">
+            <a:extLst>
+              <a:ext uri="{FF2B5EF4-FFF2-40B4-BE49-F238E27FC236}">
+                <a16:creationId xmlns:a16="http://schemas.microsoft.com/office/drawing/2014/main" id="{18EB13B3-851B-D5D6-B422-80F80FF86383}"/>
+              </a:ext>
+            </a:extLst>
+          </p:cNvPr>
+          <p:cNvSpPr txBox="1"/>
+          <p:nvPr/>
+        </p:nvSpPr>
+        <p:spPr>
+          <a:xfrm>
+            <a:off x="744792" y="2228101"/>
+            <a:ext cx="5858256" cy="1200329"/>
+          </a:xfrm>
+          <a:prstGeom prst="rect">
+            <a:avLst/>
+          </a:prstGeom>
+          <a:noFill/>
+        </p:spPr>
+        <p:txBody>
+          <a:bodyPr wrap="square" rtlCol="0" anchor="ctr">
+            <a:spAutoFit/>
+          </a:bodyPr>
+          <a:lstStyle/>
+          <a:p>
+            <a:r>
+              <a:rPr kumimoji="1" lang="ja-JP" altLang="en-US" sz="3600" dirty="0">
+                <a:latin typeface="HGｺﾞｼｯｸE" panose="020B0909000000000000" pitchFamily="49" charset="-128"/>
+                <a:ea typeface="HGｺﾞｼｯｸE" panose="020B0909000000000000" pitchFamily="49" charset="-128"/>
+              </a:rPr>
+              <a:t>あなたが操作するペンギン</a:t>
+            </a:r>
+            <a:endParaRPr kumimoji="1" lang="en-US" altLang="ja-JP" sz="3600" dirty="0">
+              <a:latin typeface="HGｺﾞｼｯｸE" panose="020B0909000000000000" pitchFamily="49" charset="-128"/>
+              <a:ea typeface="HGｺﾞｼｯｸE" panose="020B0909000000000000" pitchFamily="49" charset="-128"/>
+            </a:endParaRPr>
+          </a:p>
+          <a:p>
+            <a:r>
+              <a:rPr kumimoji="1" lang="ja-JP" altLang="en-US" sz="3600" dirty="0">
+                <a:latin typeface="HGｺﾞｼｯｸE" panose="020B0909000000000000" pitchFamily="49" charset="-128"/>
+                <a:ea typeface="HGｺﾞｼｯｸE" panose="020B0909000000000000" pitchFamily="49" charset="-128"/>
+              </a:rPr>
+              <a:t>もたもた動く</a:t>
+            </a:r>
+            <a:endParaRPr kumimoji="1" lang="en-US" altLang="ja-JP" sz="3600" dirty="0">
+              <a:latin typeface="HGｺﾞｼｯｸE" panose="020B0909000000000000" pitchFamily="49" charset="-128"/>
+              <a:ea typeface="HGｺﾞｼｯｸE" panose="020B0909000000000000" pitchFamily="49" charset="-128"/>
+            </a:endParaRPr>
+          </a:p>
+        </p:txBody>
+      </p:sp>
+      <p:sp>
+        <p:nvSpPr>
+          <p:cNvPr id="9" name="テキスト ボックス 8">
+            <a:extLst>
+              <a:ext uri="{FF2B5EF4-FFF2-40B4-BE49-F238E27FC236}">
+                <a16:creationId xmlns:a16="http://schemas.microsoft.com/office/drawing/2014/main" id="{09656FD9-21CF-8D72-DB5D-704E3A9C545E}"/>
+              </a:ext>
+            </a:extLst>
+          </p:cNvPr>
+          <p:cNvSpPr txBox="1"/>
+          <p:nvPr/>
+        </p:nvSpPr>
+        <p:spPr>
+          <a:xfrm>
+            <a:off x="158983" y="7939393"/>
+            <a:ext cx="6876288" cy="1200329"/>
+          </a:xfrm>
+          <a:prstGeom prst="rect">
+            <a:avLst/>
+          </a:prstGeom>
+          <a:noFill/>
+        </p:spPr>
+        <p:txBody>
+          <a:bodyPr wrap="square" rtlCol="0" anchor="ctr">
+            <a:spAutoFit/>
+          </a:bodyPr>
+          <a:lstStyle/>
+          <a:p>
+            <a:r>
+              <a:rPr kumimoji="1" lang="ja-JP" altLang="en-US" sz="3600" dirty="0">
+                <a:latin typeface="HGｺﾞｼｯｸE" panose="020B0909000000000000" pitchFamily="49" charset="-128"/>
+                <a:ea typeface="HGｺﾞｼｯｸE" panose="020B0909000000000000" pitchFamily="49" charset="-128"/>
+              </a:rPr>
+              <a:t>突進の速度がピカイチ</a:t>
+            </a:r>
+            <a:endParaRPr kumimoji="1" lang="en-US" altLang="ja-JP" sz="3600" dirty="0">
+              <a:latin typeface="HGｺﾞｼｯｸE" panose="020B0909000000000000" pitchFamily="49" charset="-128"/>
+              <a:ea typeface="HGｺﾞｼｯｸE" panose="020B0909000000000000" pitchFamily="49" charset="-128"/>
+            </a:endParaRPr>
+          </a:p>
+          <a:p>
+            <a:r>
+              <a:rPr kumimoji="1" lang="ja-JP" altLang="en-US" sz="3600" dirty="0">
+                <a:latin typeface="HGｺﾞｼｯｸE" panose="020B0909000000000000" pitchFamily="49" charset="-128"/>
+                <a:ea typeface="HGｺﾞｼｯｸE" panose="020B0909000000000000" pitchFamily="49" charset="-128"/>
+              </a:rPr>
+              <a:t>ただし、一直線でしか走れない</a:t>
+            </a:r>
+          </a:p>
+        </p:txBody>
+      </p:sp>
+      <p:sp>
+        <p:nvSpPr>
+          <p:cNvPr id="10" name="テキスト ボックス 9">
+            <a:extLst>
+              <a:ext uri="{FF2B5EF4-FFF2-40B4-BE49-F238E27FC236}">
+                <a16:creationId xmlns:a16="http://schemas.microsoft.com/office/drawing/2014/main" id="{381CF76E-6D36-1DB6-7F70-58827BE53A66}"/>
+              </a:ext>
+            </a:extLst>
+          </p:cNvPr>
+          <p:cNvSpPr txBox="1"/>
+          <p:nvPr/>
+        </p:nvSpPr>
+        <p:spPr>
+          <a:xfrm>
+            <a:off x="2992055" y="4791065"/>
+            <a:ext cx="6876288" cy="1200329"/>
+          </a:xfrm>
+          <a:prstGeom prst="rect">
+            <a:avLst/>
+          </a:prstGeom>
+          <a:noFill/>
+        </p:spPr>
+        <p:txBody>
+          <a:bodyPr wrap="square" rtlCol="0" anchor="ctr">
+            <a:spAutoFit/>
+          </a:bodyPr>
+          <a:lstStyle/>
+          <a:p>
+            <a:r>
+              <a:rPr kumimoji="1" lang="ja-JP" altLang="en-US" sz="3600" dirty="0">
+                <a:latin typeface="HGｺﾞｼｯｸE" panose="020B0909000000000000" pitchFamily="49" charset="-128"/>
+                <a:ea typeface="HGｺﾞｼｯｸE" panose="020B0909000000000000" pitchFamily="49" charset="-128"/>
+              </a:rPr>
+              <a:t>かしこい生き物</a:t>
+            </a:r>
+            <a:endParaRPr kumimoji="1" lang="en-US" altLang="ja-JP" sz="3600" dirty="0">
+              <a:latin typeface="HGｺﾞｼｯｸE" panose="020B0909000000000000" pitchFamily="49" charset="-128"/>
+              <a:ea typeface="HGｺﾞｼｯｸE" panose="020B0909000000000000" pitchFamily="49" charset="-128"/>
+            </a:endParaRPr>
+          </a:p>
+          <a:p>
+            <a:r>
+              <a:rPr kumimoji="1" lang="ja-JP" altLang="en-US" sz="3600" dirty="0">
+                <a:latin typeface="HGｺﾞｼｯｸE" panose="020B0909000000000000" pitchFamily="49" charset="-128"/>
+                <a:ea typeface="HGｺﾞｼｯｸE" panose="020B0909000000000000" pitchFamily="49" charset="-128"/>
+              </a:rPr>
+              <a:t>じっくりとえものを追い詰める</a:t>
+            </a:r>
+          </a:p>
+        </p:txBody>
+      </p:sp>
       <p:pic>
         <p:nvPicPr>
-          <p:cNvPr id="15" name="図 14" descr="探す, 暗い, 写真, 座る が含まれている画像&#10;&#10;自動的に生成された説明">
+          <p:cNvPr id="13" name="図 12" descr="座る, 暗い, フロント, 探す が含まれている画像&#10;&#10;自動的に生成された説明">
             <a:extLst>
               <a:ext uri="{FF2B5EF4-FFF2-40B4-BE49-F238E27FC236}">
-                <a16:creationId xmlns:a16="http://schemas.microsoft.com/office/drawing/2014/main" id="{FA5C1838-0BEE-2FE4-C456-E40B8E1603F5}"/>
+                <a16:creationId xmlns:a16="http://schemas.microsoft.com/office/drawing/2014/main" id="{75C2E91F-0C86-0F7A-A012-FA1CED8FA821}"/>
               </a:ext>
             </a:extLst>
           </p:cNvPr>
@@ -4714,20 +5297,27 @@
         </p:blipFill>
         <p:spPr>
           <a:xfrm>
-            <a:off x="5906411" y="6498621"/>
-            <a:ext cx="4030069" cy="3404880"/>
+            <a:off x="6473632" y="1188629"/>
+            <a:ext cx="2547048" cy="2750579"/>
           </a:xfrm>
           <a:prstGeom prst="rect">
             <a:avLst/>
           </a:prstGeom>
+          <a:effectLst>
+            <a:outerShdw blurRad="50800" dist="38100" dir="2700000" algn="tl" rotWithShape="0">
+              <a:prstClr val="black">
+                <a:alpha val="40000"/>
+              </a:prstClr>
+            </a:outerShdw>
+          </a:effectLst>
         </p:spPr>
       </p:pic>
       <p:pic>
         <p:nvPicPr>
-          <p:cNvPr id="21" name="図 20" descr="暗い, 鳥, 飛ぶ, 水 が含まれている画像&#10;&#10;自動的に生成された説明">
+          <p:cNvPr id="15" name="図 14" descr="探す, 暗い, 写真, 座る が含まれている画像&#10;&#10;自動的に生成された説明">
             <a:extLst>
               <a:ext uri="{FF2B5EF4-FFF2-40B4-BE49-F238E27FC236}">
-                <a16:creationId xmlns:a16="http://schemas.microsoft.com/office/drawing/2014/main" id="{E1172922-D7FC-48EC-3467-CD14C5637C51}"/>
+                <a16:creationId xmlns:a16="http://schemas.microsoft.com/office/drawing/2014/main" id="{FA5C1838-0BEE-2FE4-C456-E40B8E1603F5}"/>
               </a:ext>
             </a:extLst>
           </p:cNvPr>
@@ -4750,12 +5340,62 @@
         </p:blipFill>
         <p:spPr>
           <a:xfrm>
-            <a:off x="0" y="9660321"/>
+            <a:off x="5684793" y="6411681"/>
+            <a:ext cx="4030069" cy="3404880"/>
+          </a:xfrm>
+          <a:prstGeom prst="rect">
+            <a:avLst/>
+          </a:prstGeom>
+          <a:effectLst>
+            <a:outerShdw blurRad="50800" dist="38100" dir="2700000" algn="tl" rotWithShape="0">
+              <a:prstClr val="black">
+                <a:alpha val="40000"/>
+              </a:prstClr>
+            </a:outerShdw>
+          </a:effectLst>
+        </p:spPr>
+      </p:pic>
+      <p:pic>
+        <p:nvPicPr>
+          <p:cNvPr id="21" name="図 20" descr="暗い, 鳥, 飛ぶ, 水 が含まれている画像&#10;&#10;自動的に生成された説明">
+            <a:extLst>
+              <a:ext uri="{FF2B5EF4-FFF2-40B4-BE49-F238E27FC236}">
+                <a16:creationId xmlns:a16="http://schemas.microsoft.com/office/drawing/2014/main" id="{E1172922-D7FC-48EC-3467-CD14C5637C51}"/>
+              </a:ext>
+            </a:extLst>
+          </p:cNvPr>
+          <p:cNvPicPr>
+            <a:picLocks noChangeAspect="1"/>
+          </p:cNvPicPr>
+          <p:nvPr/>
+        </p:nvPicPr>
+        <p:blipFill>
+          <a:blip r:embed="rId6">
+            <a:extLst>
+              <a:ext uri="{28A0092B-C50C-407E-A947-70E740481C1C}">
+                <a14:useLocalDpi xmlns:a14="http://schemas.microsoft.com/office/drawing/2010/main" val="0"/>
+              </a:ext>
+            </a:extLst>
+          </a:blip>
+          <a:stretch>
+            <a:fillRect/>
+          </a:stretch>
+        </p:blipFill>
+        <p:spPr>
+          <a:xfrm>
+            <a:off x="89867" y="9916549"/>
             <a:ext cx="4338278" cy="2427755"/>
           </a:xfrm>
           <a:prstGeom prst="rect">
             <a:avLst/>
           </a:prstGeom>
+          <a:effectLst>
+            <a:outerShdw blurRad="50800" dist="38100" dir="2700000" algn="tl" rotWithShape="0">
+              <a:prstClr val="black">
+                <a:alpha val="40000"/>
+              </a:prstClr>
+            </a:outerShdw>
+          </a:effectLst>
         </p:spPr>
       </p:pic>
       <p:sp>
@@ -4772,8 +5412,8 @@
         </p:nvSpPr>
         <p:spPr>
           <a:xfrm>
-            <a:off x="5486761" y="9903501"/>
-            <a:ext cx="3364992" cy="830997"/>
+            <a:off x="4199531" y="10197081"/>
+            <a:ext cx="4023360" cy="1015663"/>
           </a:xfrm>
           <a:prstGeom prst="rect">
             <a:avLst/>
@@ -4788,7 +5428,30 @@
           <a:p>
             <a:pPr algn="ctr"/>
             <a:r>
-              <a:rPr kumimoji="1" lang="ja-JP" altLang="en-US" sz="4800" dirty="0"/>
+              <a:rPr kumimoji="1" lang="ja-JP" altLang="en-US" sz="6000" dirty="0">
+                <a:gradFill flip="none" rotWithShape="1">
+                  <a:gsLst>
+                    <a:gs pos="22000">
+                      <a:srgbClr val="CCCC00"/>
+                    </a:gs>
+                    <a:gs pos="48000">
+                      <a:srgbClr val="F0EA00"/>
+                    </a:gs>
+                    <a:gs pos="78000">
+                      <a:srgbClr val="CCCC00"/>
+                    </a:gs>
+                  </a:gsLst>
+                  <a:lin ang="18600000" scaled="0"/>
+                  <a:tileRect/>
+                </a:gradFill>
+                <a:effectLst>
+                  <a:glow rad="127000">
+                    <a:schemeClr val="bg1"/>
+                  </a:glow>
+                </a:effectLst>
+                <a:latin typeface="どきどきファンタジア" panose="02000900000000000000" pitchFamily="50" charset="-128"/>
+                <a:ea typeface="どきどきファンタジア" panose="02000900000000000000" pitchFamily="50" charset="-128"/>
+              </a:rPr>
               <a:t>アホウドリ</a:t>
             </a:r>
           </a:p>
@@ -4808,7 +5471,7 @@
         </p:nvSpPr>
         <p:spPr>
           <a:xfrm>
-            <a:off x="4564227" y="10708006"/>
+            <a:off x="3939679" y="11100013"/>
             <a:ext cx="4916729" cy="1200329"/>
           </a:xfrm>
           <a:prstGeom prst="rect">
@@ -4823,56 +5486,29 @@
           <a:lstStyle/>
           <a:p>
             <a:r>
-              <a:rPr kumimoji="1" lang="ja-JP" altLang="en-US" sz="3600" dirty="0"/>
+              <a:rPr kumimoji="1" lang="ja-JP" altLang="en-US" sz="3600" dirty="0">
+                <a:latin typeface="HGｺﾞｼｯｸE" panose="020B0909000000000000" pitchFamily="49" charset="-128"/>
+                <a:ea typeface="HGｺﾞｼｯｸE" panose="020B0909000000000000" pitchFamily="49" charset="-128"/>
+              </a:rPr>
               <a:t>海流に沿って飛ぶ鳥</a:t>
             </a:r>
-            <a:endParaRPr kumimoji="1" lang="en-US" altLang="ja-JP" sz="3600" dirty="0"/>
-          </a:p>
-          <a:p>
-            <a:r>
-              <a:rPr kumimoji="1" lang="ja-JP" altLang="en-US" sz="3600" dirty="0"/>
+            <a:endParaRPr kumimoji="1" lang="en-US" altLang="ja-JP" sz="3600" dirty="0">
+              <a:latin typeface="HGｺﾞｼｯｸE" panose="020B0909000000000000" pitchFamily="49" charset="-128"/>
+              <a:ea typeface="HGｺﾞｼｯｸE" panose="020B0909000000000000" pitchFamily="49" charset="-128"/>
+            </a:endParaRPr>
+          </a:p>
+          <a:p>
+            <a:r>
+              <a:rPr kumimoji="1" lang="ja-JP" altLang="en-US" sz="3600" dirty="0">
+                <a:latin typeface="HGｺﾞｼｯｸE" panose="020B0909000000000000" pitchFamily="49" charset="-128"/>
+                <a:ea typeface="HGｺﾞｼｯｸE" panose="020B0909000000000000" pitchFamily="49" charset="-128"/>
+              </a:rPr>
               <a:t>たまに変なのがいる</a:t>
             </a:r>
-            <a:endParaRPr kumimoji="1" lang="en-US" altLang="ja-JP" sz="3600" dirty="0"/>
-          </a:p>
-        </p:txBody>
-      </p:sp>
-      <p:sp>
-        <p:nvSpPr>
-          <p:cNvPr id="22" name="テキスト ボックス 21">
-            <a:extLst>
-              <a:ext uri="{FF2B5EF4-FFF2-40B4-BE49-F238E27FC236}">
-                <a16:creationId xmlns:a16="http://schemas.microsoft.com/office/drawing/2014/main" id="{F9E1842A-607B-B225-A8B4-AD6B89509AA5}"/>
-              </a:ext>
-            </a:extLst>
-          </p:cNvPr>
-          <p:cNvSpPr txBox="1"/>
-          <p:nvPr/>
-        </p:nvSpPr>
-        <p:spPr>
-          <a:xfrm>
-            <a:off x="0" y="5638"/>
-            <a:ext cx="3060192" cy="707886"/>
-          </a:xfrm>
-          <a:prstGeom prst="rect">
-            <a:avLst/>
-          </a:prstGeom>
-          <a:solidFill>
-            <a:srgbClr val="FFC000"/>
-          </a:solidFill>
-        </p:spPr>
-        <p:txBody>
-          <a:bodyPr wrap="square" rtlCol="0" anchor="ctr">
-            <a:spAutoFit/>
-          </a:bodyPr>
-          <a:lstStyle/>
-          <a:p>
-            <a:pPr algn="ctr"/>
-            <a:r>
-              <a:rPr kumimoji="1" lang="en-US" altLang="ja-JP" sz="4000" dirty="0"/>
-              <a:t>CHARACTER</a:t>
-            </a:r>
-            <a:endParaRPr kumimoji="1" lang="ja-JP" altLang="en-US" sz="4000" dirty="0"/>
+            <a:endParaRPr kumimoji="1" lang="en-US" altLang="ja-JP" sz="3600" dirty="0">
+              <a:latin typeface="HGｺﾞｼｯｸE" panose="020B0909000000000000" pitchFamily="49" charset="-128"/>
+              <a:ea typeface="HGｺﾞｼｯｸE" panose="020B0909000000000000" pitchFamily="49" charset="-128"/>
+            </a:endParaRPr>
           </a:p>
         </p:txBody>
       </p:sp>

--- a/02_資料/説明書/説明書.pptx
+++ b/02_資料/説明書/説明書.pptx
@@ -108,6 +108,11 @@
       </a:defRPr>
     </a:lvl9pPr>
   </p:defaultTextStyle>
+  <p:extLst>
+    <p:ext uri="{EFAFB233-063F-42B5-8137-9DF3F51BA10A}">
+      <p15:sldGuideLst xmlns:p15="http://schemas.microsoft.com/office/powerpoint/2012/main"/>
+    </p:ext>
+  </p:extLst>
 </p:presentation>
 </file>
 
@@ -193,7 +198,7 @@
           <a:p>
             <a:fld id="{95CC4825-90E8-4FD2-86F1-EF0691B1441A}" type="datetimeFigureOut">
               <a:rPr kumimoji="1" lang="ja-JP" altLang="en-US" smtClean="0"/>
-              <a:t>2025/1/27</a:t>
+              <a:t>2025/1/28</a:t>
             </a:fld>
             <a:endParaRPr kumimoji="1" lang="ja-JP" altLang="en-US"/>
           </a:p>
@@ -707,7 +712,7 @@
           <a:p>
             <a:fld id="{75C075D9-D265-4BA7-BC58-4C1C8E10990F}" type="datetimeFigureOut">
               <a:rPr kumimoji="1" lang="ja-JP" altLang="en-US" smtClean="0"/>
-              <a:t>2025/1/27</a:t>
+              <a:t>2025/1/28</a:t>
             </a:fld>
             <a:endParaRPr kumimoji="1" lang="ja-JP" altLang="en-US"/>
           </a:p>
@@ -909,7 +914,7 @@
           <a:p>
             <a:fld id="{75C075D9-D265-4BA7-BC58-4C1C8E10990F}" type="datetimeFigureOut">
               <a:rPr kumimoji="1" lang="ja-JP" altLang="en-US" smtClean="0"/>
-              <a:t>2025/1/27</a:t>
+              <a:t>2025/1/28</a:t>
             </a:fld>
             <a:endParaRPr kumimoji="1" lang="ja-JP" altLang="en-US"/>
           </a:p>
@@ -1121,7 +1126,7 @@
           <a:p>
             <a:fld id="{75C075D9-D265-4BA7-BC58-4C1C8E10990F}" type="datetimeFigureOut">
               <a:rPr kumimoji="1" lang="ja-JP" altLang="en-US" smtClean="0"/>
-              <a:t>2025/1/27</a:t>
+              <a:t>2025/1/28</a:t>
             </a:fld>
             <a:endParaRPr kumimoji="1" lang="ja-JP" altLang="en-US"/>
           </a:p>
@@ -1323,7 +1328,7 @@
           <a:p>
             <a:fld id="{75C075D9-D265-4BA7-BC58-4C1C8E10990F}" type="datetimeFigureOut">
               <a:rPr kumimoji="1" lang="ja-JP" altLang="en-US" smtClean="0"/>
-              <a:t>2025/1/27</a:t>
+              <a:t>2025/1/28</a:t>
             </a:fld>
             <a:endParaRPr kumimoji="1" lang="ja-JP" altLang="en-US"/>
           </a:p>
@@ -1569,7 +1574,7 @@
           <a:p>
             <a:fld id="{75C075D9-D265-4BA7-BC58-4C1C8E10990F}" type="datetimeFigureOut">
               <a:rPr kumimoji="1" lang="ja-JP" altLang="en-US" smtClean="0"/>
-              <a:t>2025/1/27</a:t>
+              <a:t>2025/1/28</a:t>
             </a:fld>
             <a:endParaRPr kumimoji="1" lang="ja-JP" altLang="en-US"/>
           </a:p>
@@ -1865,7 +1870,7 @@
           <a:p>
             <a:fld id="{75C075D9-D265-4BA7-BC58-4C1C8E10990F}" type="datetimeFigureOut">
               <a:rPr kumimoji="1" lang="ja-JP" altLang="en-US" smtClean="0"/>
-              <a:t>2025/1/27</a:t>
+              <a:t>2025/1/28</a:t>
             </a:fld>
             <a:endParaRPr kumimoji="1" lang="ja-JP" altLang="en-US"/>
           </a:p>
@@ -2296,7 +2301,7 @@
           <a:p>
             <a:fld id="{75C075D9-D265-4BA7-BC58-4C1C8E10990F}" type="datetimeFigureOut">
               <a:rPr kumimoji="1" lang="ja-JP" altLang="en-US" smtClean="0"/>
-              <a:t>2025/1/27</a:t>
+              <a:t>2025/1/28</a:t>
             </a:fld>
             <a:endParaRPr kumimoji="1" lang="ja-JP" altLang="en-US"/>
           </a:p>
@@ -2414,7 +2419,7 @@
           <a:p>
             <a:fld id="{75C075D9-D265-4BA7-BC58-4C1C8E10990F}" type="datetimeFigureOut">
               <a:rPr kumimoji="1" lang="ja-JP" altLang="en-US" smtClean="0"/>
-              <a:t>2025/1/27</a:t>
+              <a:t>2025/1/28</a:t>
             </a:fld>
             <a:endParaRPr kumimoji="1" lang="ja-JP" altLang="en-US"/>
           </a:p>
@@ -2509,7 +2514,7 @@
           <a:p>
             <a:fld id="{75C075D9-D265-4BA7-BC58-4C1C8E10990F}" type="datetimeFigureOut">
               <a:rPr kumimoji="1" lang="ja-JP" altLang="en-US" smtClean="0"/>
-              <a:t>2025/1/27</a:t>
+              <a:t>2025/1/28</a:t>
             </a:fld>
             <a:endParaRPr kumimoji="1" lang="ja-JP" altLang="en-US"/>
           </a:p>
@@ -2818,7 +2823,7 @@
           <a:p>
             <a:fld id="{75C075D9-D265-4BA7-BC58-4C1C8E10990F}" type="datetimeFigureOut">
               <a:rPr kumimoji="1" lang="ja-JP" altLang="en-US" smtClean="0"/>
-              <a:t>2025/1/27</a:t>
+              <a:t>2025/1/28</a:t>
             </a:fld>
             <a:endParaRPr kumimoji="1" lang="ja-JP" altLang="en-US"/>
           </a:p>
@@ -3075,7 +3080,7 @@
           <a:p>
             <a:fld id="{75C075D9-D265-4BA7-BC58-4C1C8E10990F}" type="datetimeFigureOut">
               <a:rPr kumimoji="1" lang="ja-JP" altLang="en-US" smtClean="0"/>
-              <a:t>2025/1/27</a:t>
+              <a:t>2025/1/28</a:t>
             </a:fld>
             <a:endParaRPr kumimoji="1" lang="ja-JP" altLang="en-US"/>
           </a:p>
@@ -3340,7 +3345,7 @@
           <a:p>
             <a:fld id="{75C075D9-D265-4BA7-BC58-4C1C8E10990F}" type="datetimeFigureOut">
               <a:rPr kumimoji="1" lang="ja-JP" altLang="en-US" smtClean="0"/>
-              <a:t>2025/1/27</a:t>
+              <a:t>2025/1/28</a:t>
             </a:fld>
             <a:endParaRPr kumimoji="1" lang="ja-JP" altLang="en-US"/>
           </a:p>
@@ -3773,10 +3778,10 @@
       </p:grpSpPr>
       <p:pic>
         <p:nvPicPr>
-          <p:cNvPr id="16" name="図 15" descr="ゲームのリモコン&#10;&#10;低い精度で自動的に生成された説明">
+          <p:cNvPr id="31" name="図 30">
             <a:extLst>
               <a:ext uri="{FF2B5EF4-FFF2-40B4-BE49-F238E27FC236}">
-                <a16:creationId xmlns:a16="http://schemas.microsoft.com/office/drawing/2014/main" id="{F6EF6448-0692-C959-07F6-683A49A6A87F}"/>
+                <a16:creationId xmlns:a16="http://schemas.microsoft.com/office/drawing/2014/main" id="{825F9B77-55EA-E5CB-C50C-25AD34E7DF3A}"/>
               </a:ext>
             </a:extLst>
           </p:cNvPr>
@@ -3799,7 +3804,153 @@
         </p:blipFill>
         <p:spPr>
           <a:xfrm>
-            <a:off x="2443828" y="2998017"/>
+            <a:off x="4571534" y="2695706"/>
+            <a:ext cx="4863355" cy="3753597"/>
+          </a:xfrm>
+          <a:prstGeom prst="rect">
+            <a:avLst/>
+          </a:prstGeom>
+          <a:ln w="76200">
+            <a:solidFill>
+              <a:schemeClr val="accent1">
+                <a:lumMod val="75000"/>
+              </a:schemeClr>
+            </a:solidFill>
+          </a:ln>
+          <a:effectLst>
+            <a:outerShdw blurRad="50800" dist="38100" dir="2700000" algn="tl" rotWithShape="0">
+              <a:prstClr val="black">
+                <a:alpha val="40000"/>
+              </a:prstClr>
+            </a:outerShdw>
+          </a:effectLst>
+        </p:spPr>
+      </p:pic>
+      <p:pic>
+        <p:nvPicPr>
+          <p:cNvPr id="11" name="図 10" descr="プールの中で傘をさしている&#10;&#10;低い精度で自動的に生成された説明">
+            <a:extLst>
+              <a:ext uri="{FF2B5EF4-FFF2-40B4-BE49-F238E27FC236}">
+                <a16:creationId xmlns:a16="http://schemas.microsoft.com/office/drawing/2014/main" id="{9DC68AFD-AB09-0E45-04EA-7D4B0F6CA3AF}"/>
+              </a:ext>
+            </a:extLst>
+          </p:cNvPr>
+          <p:cNvPicPr>
+            <a:picLocks noChangeAspect="1"/>
+          </p:cNvPicPr>
+          <p:nvPr/>
+        </p:nvPicPr>
+        <p:blipFill>
+          <a:blip r:embed="rId6">
+            <a:extLst>
+              <a:ext uri="{28A0092B-C50C-407E-A947-70E740481C1C}">
+                <a14:useLocalDpi xmlns:a14="http://schemas.microsoft.com/office/drawing/2010/main" val="0"/>
+              </a:ext>
+            </a:extLst>
+          </a:blip>
+          <a:srcRect l="24718" t="17223" r="41987" b="32173"/>
+          <a:stretch/>
+        </p:blipFill>
+        <p:spPr>
+          <a:xfrm>
+            <a:off x="5577822" y="6380708"/>
+            <a:ext cx="3108327" cy="2367716"/>
+          </a:xfrm>
+          <a:prstGeom prst="rect">
+            <a:avLst/>
+          </a:prstGeom>
+          <a:ln w="104775">
+            <a:noFill/>
+          </a:ln>
+          <a:effectLst>
+            <a:glow rad="342900">
+              <a:srgbClr val="FF0000"/>
+            </a:glow>
+            <a:outerShdw blurRad="50800" dist="38100" dir="2700000" algn="tl" rotWithShape="0">
+              <a:prstClr val="black">
+                <a:alpha val="40000"/>
+              </a:prstClr>
+            </a:outerShdw>
+          </a:effectLst>
+        </p:spPr>
+      </p:pic>
+      <p:pic>
+        <p:nvPicPr>
+          <p:cNvPr id="3" name="図 2" descr="ブルー, 水, 座る, プール が含まれている画像&#10;&#10;自動的に生成された説明">
+            <a:extLst>
+              <a:ext uri="{FF2B5EF4-FFF2-40B4-BE49-F238E27FC236}">
+                <a16:creationId xmlns:a16="http://schemas.microsoft.com/office/drawing/2014/main" id="{2D449CAB-0247-3C21-FCBE-8D1CE70684FA}"/>
+              </a:ext>
+            </a:extLst>
+          </p:cNvPr>
+          <p:cNvPicPr>
+            <a:picLocks noChangeAspect="1"/>
+          </p:cNvPicPr>
+          <p:nvPr/>
+        </p:nvPicPr>
+        <p:blipFill>
+          <a:blip r:embed="rId7">
+            <a:extLst>
+              <a:ext uri="{28A0092B-C50C-407E-A947-70E740481C1C}">
+                <a14:useLocalDpi xmlns:a14="http://schemas.microsoft.com/office/drawing/2010/main" val="0"/>
+              </a:ext>
+            </a:extLst>
+          </a:blip>
+          <a:srcRect l="12473" t="3345" b="13767"/>
+          <a:stretch/>
+        </p:blipFill>
+        <p:spPr>
+          <a:xfrm>
+            <a:off x="5872548" y="9626250"/>
+            <a:ext cx="3400853" cy="2726389"/>
+          </a:xfrm>
+          <a:prstGeom prst="rect">
+            <a:avLst/>
+          </a:prstGeom>
+          <a:ln w="104775">
+            <a:noFill/>
+          </a:ln>
+          <a:effectLst>
+            <a:glow rad="330200">
+              <a:srgbClr val="00B050"/>
+            </a:glow>
+            <a:outerShdw blurRad="50800" dist="38100" dir="2700000" algn="tl" rotWithShape="0">
+              <a:prstClr val="black">
+                <a:alpha val="40000"/>
+              </a:prstClr>
+            </a:outerShdw>
+          </a:effectLst>
+        </p:spPr>
+      </p:pic>
+      <p:pic>
+        <p:nvPicPr>
+          <p:cNvPr id="16" name="図 15" descr="ゲームのリモコン&#10;&#10;低い精度で自動的に生成された説明">
+            <a:extLst>
+              <a:ext uri="{FF2B5EF4-FFF2-40B4-BE49-F238E27FC236}">
+                <a16:creationId xmlns:a16="http://schemas.microsoft.com/office/drawing/2014/main" id="{F6EF6448-0692-C959-07F6-683A49A6A87F}"/>
+              </a:ext>
+            </a:extLst>
+          </p:cNvPr>
+          <p:cNvPicPr>
+            <a:picLocks noChangeAspect="1"/>
+          </p:cNvPicPr>
+          <p:nvPr/>
+        </p:nvPicPr>
+        <p:blipFill>
+          <a:blip r:embed="rId8">
+            <a:extLst>
+              <a:ext uri="{28A0092B-C50C-407E-A947-70E740481C1C}">
+                <a14:useLocalDpi xmlns:a14="http://schemas.microsoft.com/office/drawing/2010/main" val="0"/>
+              </a:ext>
+            </a:extLst>
+          </a:blip>
+          <a:stretch>
+            <a:fillRect/>
+          </a:stretch>
+        </p:blipFill>
+        <p:spPr>
+          <a:xfrm>
+            <a:off x="1375428" y="7842370"/>
             <a:ext cx="4713543" cy="3567760"/>
           </a:xfrm>
           <a:prstGeom prst="rect">
@@ -3809,6 +3960,11 @@
             <a:glow rad="393700">
               <a:srgbClr val="FFFF00"/>
             </a:glow>
+            <a:outerShdw blurRad="50800" dist="38100" dir="2700000" algn="tl" rotWithShape="0">
+              <a:prstClr val="black">
+                <a:alpha val="40000"/>
+              </a:prstClr>
+            </a:outerShdw>
           </a:effectLst>
         </p:spPr>
       </p:pic>
@@ -3833,6 +3989,13 @@
             <a:avLst/>
           </a:prstGeom>
           <a:noFill/>
+          <a:effectLst>
+            <a:outerShdw blurRad="152400" dist="317500" dir="5400000" sx="90000" sy="-19000" rotWithShape="0">
+              <a:prstClr val="black">
+                <a:alpha val="15000"/>
+              </a:prstClr>
+            </a:outerShdw>
+          </a:effectLst>
         </p:spPr>
         <p:txBody>
           <a:bodyPr wrap="square" rtlCol="0" anchor="ctr">
@@ -3879,6 +4042,11 @@
                   <a:glow rad="355600">
                     <a:srgbClr val="00B0F0"/>
                   </a:glow>
+                  <a:outerShdw blurRad="50800" dist="38100" dir="2700000" algn="tl" rotWithShape="0">
+                    <a:prstClr val="black">
+                      <a:alpha val="40000"/>
+                    </a:prstClr>
+                  </a:outerShdw>
                 </a:effectLst>
                 <a:latin typeface="どきどきファンタジア" panose="02000900000000000000" pitchFamily="50" charset="-128"/>
                 <a:ea typeface="どきどきファンタジア" panose="02000900000000000000" pitchFamily="50" charset="-128"/>
@@ -3902,7 +4070,7 @@
         </p:nvSpPr>
         <p:spPr>
           <a:xfrm>
-            <a:off x="182796" y="2058870"/>
+            <a:off x="-146388" y="6596614"/>
             <a:ext cx="2547048" cy="1107996"/>
           </a:xfrm>
           <a:prstGeom prst="rect">
@@ -3941,160 +4109,6 @@
             <a:extLst>
               <a:ext uri="{FF2B5EF4-FFF2-40B4-BE49-F238E27FC236}">
                 <a16:creationId xmlns:a16="http://schemas.microsoft.com/office/drawing/2014/main" id="{730F136E-CDCD-F518-E818-0C8785369CAF}"/>
-              </a:ext>
-            </a:extLst>
-          </p:cNvPr>
-          <p:cNvPicPr>
-            <a:picLocks noChangeAspect="1"/>
-          </p:cNvPicPr>
-          <p:nvPr/>
-        </p:nvPicPr>
-        <p:blipFill>
-          <a:blip r:embed="rId6">
-            <a:extLst>
-              <a:ext uri="{28A0092B-C50C-407E-A947-70E740481C1C}">
-                <a14:useLocalDpi xmlns:a14="http://schemas.microsoft.com/office/drawing/2010/main" val="0"/>
-              </a:ext>
-            </a:extLst>
-          </a:blip>
-          <a:stretch>
-            <a:fillRect/>
-          </a:stretch>
-        </p:blipFill>
-        <p:spPr>
-          <a:xfrm>
-            <a:off x="451044" y="3361097"/>
-            <a:ext cx="2547048" cy="2750579"/>
-          </a:xfrm>
-          <a:prstGeom prst="rect">
-            <a:avLst/>
-          </a:prstGeom>
-        </p:spPr>
-      </p:pic>
-      <p:pic>
-        <p:nvPicPr>
-          <p:cNvPr id="12" name="図 11">
-            <a:extLst>
-              <a:ext uri="{FF2B5EF4-FFF2-40B4-BE49-F238E27FC236}">
-                <a16:creationId xmlns:a16="http://schemas.microsoft.com/office/drawing/2014/main" id="{CE34A24C-9765-D55C-A6F4-19D88FDF2337}"/>
-              </a:ext>
-            </a:extLst>
-          </p:cNvPr>
-          <p:cNvPicPr>
-            <a:picLocks noChangeAspect="1"/>
-          </p:cNvPicPr>
-          <p:nvPr/>
-        </p:nvPicPr>
-        <p:blipFill>
-          <a:blip r:embed="rId7">
-            <a:extLst>
-              <a:ext uri="{28A0092B-C50C-407E-A947-70E740481C1C}">
-                <a14:useLocalDpi xmlns:a14="http://schemas.microsoft.com/office/drawing/2010/main" val="0"/>
-              </a:ext>
-            </a:extLst>
-          </a:blip>
-          <a:srcRect b="16977"/>
-          <a:stretch/>
-        </p:blipFill>
-        <p:spPr>
-          <a:xfrm>
-            <a:off x="6015987" y="2722300"/>
-            <a:ext cx="3781668" cy="3139656"/>
-          </a:xfrm>
-          <a:prstGeom prst="rect">
-            <a:avLst/>
-          </a:prstGeom>
-        </p:spPr>
-      </p:pic>
-      <p:sp>
-        <p:nvSpPr>
-          <p:cNvPr id="5" name="テキスト ボックス 4">
-            <a:extLst>
-              <a:ext uri="{FF2B5EF4-FFF2-40B4-BE49-F238E27FC236}">
-                <a16:creationId xmlns:a16="http://schemas.microsoft.com/office/drawing/2014/main" id="{BA095273-02E4-61B3-475F-6BCB582199F1}"/>
-              </a:ext>
-            </a:extLst>
-          </p:cNvPr>
-          <p:cNvSpPr txBox="1"/>
-          <p:nvPr/>
-        </p:nvSpPr>
-        <p:spPr>
-          <a:xfrm>
-            <a:off x="5153307" y="2126250"/>
-            <a:ext cx="4224528" cy="923330"/>
-          </a:xfrm>
-          <a:prstGeom prst="rect">
-            <a:avLst/>
-          </a:prstGeom>
-          <a:noFill/>
-        </p:spPr>
-        <p:txBody>
-          <a:bodyPr wrap="square" rtlCol="0" anchor="ctr">
-            <a:spAutoFit/>
-          </a:bodyPr>
-          <a:lstStyle/>
-          <a:p>
-            <a:pPr algn="ctr"/>
-            <a:r>
-              <a:rPr kumimoji="1" lang="ja-JP" altLang="en-US" sz="5400" dirty="0">
-                <a:solidFill>
-                  <a:schemeClr val="bg1"/>
-                </a:solidFill>
-                <a:effectLst>
-                  <a:glow rad="215900">
-                    <a:srgbClr val="FF0000"/>
-                  </a:glow>
-                </a:effectLst>
-                <a:latin typeface="どきどきファンタジア" panose="02000900000000000000" pitchFamily="50" charset="-128"/>
-                <a:ea typeface="どきどきファンタジア" panose="02000900000000000000" pitchFamily="50" charset="-128"/>
-              </a:rPr>
-              <a:t>つっつき</a:t>
-            </a:r>
-          </a:p>
-        </p:txBody>
-      </p:sp>
-      <p:pic>
-        <p:nvPicPr>
-          <p:cNvPr id="14" name="図 13" descr="座る, 暗い, 写真, テディ が含まれている画像&#10;&#10;自動的に生成された説明">
-            <a:extLst>
-              <a:ext uri="{FF2B5EF4-FFF2-40B4-BE49-F238E27FC236}">
-                <a16:creationId xmlns:a16="http://schemas.microsoft.com/office/drawing/2014/main" id="{9D1B7B57-87A5-3F97-33C0-EDA00566BB1F}"/>
-              </a:ext>
-            </a:extLst>
-          </p:cNvPr>
-          <p:cNvPicPr>
-            <a:picLocks noChangeAspect="1"/>
-          </p:cNvPicPr>
-          <p:nvPr/>
-        </p:nvPicPr>
-        <p:blipFill>
-          <a:blip r:embed="rId8">
-            <a:extLst>
-              <a:ext uri="{28A0092B-C50C-407E-A947-70E740481C1C}">
-                <a14:useLocalDpi xmlns:a14="http://schemas.microsoft.com/office/drawing/2010/main" val="0"/>
-              </a:ext>
-            </a:extLst>
-          </a:blip>
-          <a:stretch>
-            <a:fillRect/>
-          </a:stretch>
-        </p:blipFill>
-        <p:spPr>
-          <a:xfrm>
-            <a:off x="7409384" y="5321061"/>
-            <a:ext cx="2806543" cy="2676828"/>
-          </a:xfrm>
-          <a:prstGeom prst="rect">
-            <a:avLst/>
-          </a:prstGeom>
-        </p:spPr>
-      </p:pic>
-      <p:pic>
-        <p:nvPicPr>
-          <p:cNvPr id="22" name="図 21" descr="スイミング が含まれている画像&#10;&#10;自動的に生成された説明">
-            <a:extLst>
-              <a:ext uri="{FF2B5EF4-FFF2-40B4-BE49-F238E27FC236}">
-                <a16:creationId xmlns:a16="http://schemas.microsoft.com/office/drawing/2014/main" id="{D1B5B53C-29BA-9C2F-58F5-C72D5B933BDD}"/>
               </a:ext>
             </a:extLst>
           </p:cNvPr>
@@ -4111,26 +4125,20 @@
               </a:ext>
             </a:extLst>
           </a:blip>
-          <a:srcRect l="9210" r="2749" b="18791"/>
-          <a:stretch/>
+          <a:stretch>
+            <a:fillRect/>
+          </a:stretch>
         </p:blipFill>
         <p:spPr>
           <a:xfrm>
-            <a:off x="200917" y="8893452"/>
-            <a:ext cx="6107377" cy="3266971"/>
+            <a:off x="-173847" y="7649121"/>
+            <a:ext cx="2547048" cy="2750579"/>
           </a:xfrm>
           <a:prstGeom prst="rect">
             <a:avLst/>
           </a:prstGeom>
-          <a:ln w="139700">
-            <a:solidFill>
-              <a:schemeClr val="accent1">
-                <a:lumMod val="75000"/>
-              </a:schemeClr>
-            </a:solidFill>
-          </a:ln>
           <a:effectLst>
-            <a:outerShdw blurRad="114300" dist="38100" dir="2700000" sx="102000" sy="102000" algn="tl" rotWithShape="0">
+            <a:outerShdw blurRad="50800" dist="38100" dir="2700000" algn="tl" rotWithShape="0">
               <a:prstClr val="black">
                 <a:alpha val="40000"/>
               </a:prstClr>
@@ -4138,6 +4146,53 @@
           </a:effectLst>
         </p:spPr>
       </p:pic>
+      <p:sp>
+        <p:nvSpPr>
+          <p:cNvPr id="5" name="テキスト ボックス 4">
+            <a:extLst>
+              <a:ext uri="{FF2B5EF4-FFF2-40B4-BE49-F238E27FC236}">
+                <a16:creationId xmlns:a16="http://schemas.microsoft.com/office/drawing/2014/main" id="{BA095273-02E4-61B3-475F-6BCB582199F1}"/>
+              </a:ext>
+            </a:extLst>
+          </p:cNvPr>
+          <p:cNvSpPr txBox="1"/>
+          <p:nvPr/>
+        </p:nvSpPr>
+        <p:spPr>
+          <a:xfrm>
+            <a:off x="2400660" y="6407175"/>
+            <a:ext cx="4224528" cy="923330"/>
+          </a:xfrm>
+          <a:prstGeom prst="rect">
+            <a:avLst/>
+          </a:prstGeom>
+          <a:noFill/>
+        </p:spPr>
+        <p:txBody>
+          <a:bodyPr wrap="square" rtlCol="0" anchor="ctr">
+            <a:spAutoFit/>
+          </a:bodyPr>
+          <a:lstStyle/>
+          <a:p>
+            <a:pPr algn="ctr"/>
+            <a:r>
+              <a:rPr kumimoji="1" lang="ja-JP" altLang="en-US" sz="5400" dirty="0">
+                <a:solidFill>
+                  <a:schemeClr val="bg1"/>
+                </a:solidFill>
+                <a:effectLst>
+                  <a:glow rad="215900">
+                    <a:srgbClr val="FF0000"/>
+                  </a:glow>
+                </a:effectLst>
+                <a:latin typeface="どきどきファンタジア" panose="02000900000000000000" pitchFamily="50" charset="-128"/>
+                <a:ea typeface="どきどきファンタジア" panose="02000900000000000000" pitchFamily="50" charset="-128"/>
+              </a:rPr>
+              <a:t>つっつき</a:t>
+            </a:r>
+          </a:p>
+        </p:txBody>
+      </p:sp>
       <p:sp>
         <p:nvSpPr>
           <p:cNvPr id="7" name="テキスト ボックス 6">
@@ -4152,7 +4207,7 @@
         </p:nvSpPr>
         <p:spPr>
           <a:xfrm>
-            <a:off x="4498314" y="6257554"/>
+            <a:off x="2460714" y="10341396"/>
             <a:ext cx="3712464" cy="1015663"/>
           </a:xfrm>
           <a:prstGeom prst="rect">
@@ -4213,8 +4268,8 @@
           <p:nvPr/>
         </p:nvSpPr>
         <p:spPr>
-          <a:xfrm rot="2625270">
-            <a:off x="2375482" y="3819790"/>
+          <a:xfrm rot="4206485">
+            <a:off x="1519881" y="8268831"/>
             <a:ext cx="1258011" cy="188074"/>
           </a:xfrm>
           <a:prstGeom prst="rect">
@@ -4277,7 +4332,7 @@
         </p:nvSpPr>
         <p:spPr>
           <a:xfrm rot="6157607">
-            <a:off x="5679643" y="3661110"/>
+            <a:off x="4471421" y="8108579"/>
             <a:ext cx="1011303" cy="86933"/>
           </a:xfrm>
           <a:prstGeom prst="rect">
@@ -4333,9 +4388,9 @@
           <p:nvPr/>
         </p:nvSpPr>
         <p:spPr>
-          <a:xfrm rot="4982752">
-            <a:off x="5284320" y="5604094"/>
-            <a:ext cx="1339058" cy="144840"/>
+          <a:xfrm rot="5954452">
+            <a:off x="4356725" y="10057797"/>
+            <a:ext cx="580724" cy="131781"/>
           </a:xfrm>
           <a:prstGeom prst="rect">
             <a:avLst/>
@@ -4399,13 +4454,13 @@
               </a:ext>
             </a:extLst>
           </a:blip>
-          <a:srcRect r="21932" b="22009"/>
+          <a:srcRect r="4298" b="22009"/>
           <a:stretch/>
         </p:blipFill>
         <p:spPr>
           <a:xfrm>
-            <a:off x="4929943" y="9462492"/>
-            <a:ext cx="4671257" cy="3339107"/>
+            <a:off x="-146388" y="3452596"/>
+            <a:ext cx="4863355" cy="2835864"/>
           </a:xfrm>
           <a:prstGeom prst="rect">
             <a:avLst/>
@@ -4414,9 +4469,238 @@
             <a:glow rad="165100">
               <a:srgbClr val="FFFF00"/>
             </a:glow>
+            <a:outerShdw blurRad="50800" dist="38100" dir="2700000" algn="tl" rotWithShape="0">
+              <a:prstClr val="black">
+                <a:alpha val="40000"/>
+              </a:prstClr>
+            </a:outerShdw>
           </a:effectLst>
         </p:spPr>
       </p:pic>
+      <p:sp>
+        <p:nvSpPr>
+          <p:cNvPr id="18" name="矢印: 環状 17">
+            <a:extLst>
+              <a:ext uri="{FF2B5EF4-FFF2-40B4-BE49-F238E27FC236}">
+                <a16:creationId xmlns:a16="http://schemas.microsoft.com/office/drawing/2014/main" id="{64A6FFFA-5408-91D5-41C7-E7EF0C4C7FFE}"/>
+              </a:ext>
+            </a:extLst>
+          </p:cNvPr>
+          <p:cNvSpPr/>
+          <p:nvPr/>
+        </p:nvSpPr>
+        <p:spPr>
+          <a:xfrm>
+            <a:off x="6708320" y="10745651"/>
+            <a:ext cx="1588985" cy="1786685"/>
+          </a:xfrm>
+          <a:prstGeom prst="circularArrow">
+            <a:avLst/>
+          </a:prstGeom>
+          <a:solidFill>
+            <a:schemeClr val="bg1">
+              <a:alpha val="90000"/>
+            </a:schemeClr>
+          </a:solidFill>
+          <a:ln>
+            <a:noFill/>
+          </a:ln>
+          <a:effectLst>
+            <a:glow rad="127000">
+              <a:srgbClr val="00B050">
+                <a:alpha val="78000"/>
+              </a:srgbClr>
+            </a:glow>
+          </a:effectLst>
+        </p:spPr>
+        <p:style>
+          <a:lnRef idx="2">
+            <a:schemeClr val="accent1">
+              <a:shade val="15000"/>
+            </a:schemeClr>
+          </a:lnRef>
+          <a:fillRef idx="1">
+            <a:schemeClr val="accent1"/>
+          </a:fillRef>
+          <a:effectRef idx="0">
+            <a:schemeClr val="accent1"/>
+          </a:effectRef>
+          <a:fontRef idx="minor">
+            <a:schemeClr val="lt1"/>
+          </a:fontRef>
+        </p:style>
+        <p:txBody>
+          <a:bodyPr rtlCol="0" anchor="ctr"/>
+          <a:lstStyle/>
+          <a:p>
+            <a:pPr algn="ctr"/>
+            <a:endParaRPr kumimoji="1" lang="ja-JP" altLang="en-US">
+              <a:solidFill>
+                <a:schemeClr val="tx1"/>
+              </a:solidFill>
+            </a:endParaRPr>
+          </a:p>
+        </p:txBody>
+      </p:sp>
+      <p:pic>
+        <p:nvPicPr>
+          <p:cNvPr id="26" name="図 25" descr="図形, 矢印&#10;&#10;自動的に生成された説明">
+            <a:extLst>
+              <a:ext uri="{FF2B5EF4-FFF2-40B4-BE49-F238E27FC236}">
+                <a16:creationId xmlns:a16="http://schemas.microsoft.com/office/drawing/2014/main" id="{4EAF67C0-8124-23E8-4233-EF0F16200BF4}"/>
+              </a:ext>
+            </a:extLst>
+          </p:cNvPr>
+          <p:cNvPicPr>
+            <a:picLocks noChangeAspect="1"/>
+          </p:cNvPicPr>
+          <p:nvPr/>
+        </p:nvPicPr>
+        <p:blipFill>
+          <a:blip r:embed="rId11">
+            <a:extLst>
+              <a:ext uri="{28A0092B-C50C-407E-A947-70E740481C1C}">
+                <a14:useLocalDpi xmlns:a14="http://schemas.microsoft.com/office/drawing/2010/main" val="0"/>
+              </a:ext>
+            </a:extLst>
+          </a:blip>
+          <a:srcRect l="29577" t="33263" r="5904" b="18048"/>
+          <a:stretch/>
+        </p:blipFill>
+        <p:spPr>
+          <a:xfrm rot="20622869">
+            <a:off x="6515353" y="7053617"/>
+            <a:ext cx="2284260" cy="1723838"/>
+          </a:xfrm>
+          <a:prstGeom prst="rect">
+            <a:avLst/>
+          </a:prstGeom>
+        </p:spPr>
+      </p:pic>
+      <p:sp>
+        <p:nvSpPr>
+          <p:cNvPr id="27" name="テキスト ボックス 26">
+            <a:extLst>
+              <a:ext uri="{FF2B5EF4-FFF2-40B4-BE49-F238E27FC236}">
+                <a16:creationId xmlns:a16="http://schemas.microsoft.com/office/drawing/2014/main" id="{731C20F0-EB1D-FD2F-E1A9-42D98DCC230C}"/>
+              </a:ext>
+            </a:extLst>
+          </p:cNvPr>
+          <p:cNvSpPr txBox="1"/>
+          <p:nvPr/>
+        </p:nvSpPr>
+        <p:spPr>
+          <a:xfrm>
+            <a:off x="950450" y="11423065"/>
+            <a:ext cx="6732991" cy="830997"/>
+          </a:xfrm>
+          <a:prstGeom prst="rect">
+            <a:avLst/>
+          </a:prstGeom>
+          <a:noFill/>
+          <a:ln>
+            <a:noFill/>
+          </a:ln>
+          <a:effectLst>
+            <a:glow>
+              <a:schemeClr val="accent3">
+                <a:lumMod val="40000"/>
+                <a:lumOff val="60000"/>
+                <a:alpha val="40000"/>
+              </a:schemeClr>
+            </a:glow>
+          </a:effectLst>
+        </p:spPr>
+        <p:txBody>
+          <a:bodyPr wrap="square" rtlCol="0" anchor="ctr">
+            <a:spAutoFit/>
+          </a:bodyPr>
+          <a:lstStyle/>
+          <a:p>
+            <a:pPr algn="ctr"/>
+            <a:r>
+              <a:rPr kumimoji="1" lang="ja-JP" altLang="en-US" sz="4800" dirty="0">
+                <a:ln w="3175">
+                  <a:noFill/>
+                </a:ln>
+                <a:solidFill>
+                  <a:schemeClr val="bg1"/>
+                </a:solidFill>
+                <a:effectLst>
+                  <a:glow rad="419100">
+                    <a:srgbClr val="00B050"/>
+                  </a:glow>
+                </a:effectLst>
+                <a:latin typeface="どきどきファンタジア" panose="02000900000000000000" pitchFamily="50" charset="-128"/>
+                <a:ea typeface="どきどきファンタジア" panose="02000900000000000000" pitchFamily="50" charset="-128"/>
+              </a:rPr>
+              <a:t>氷を飛び越える！</a:t>
+            </a:r>
+          </a:p>
+        </p:txBody>
+      </p:sp>
+      <p:sp>
+        <p:nvSpPr>
+          <p:cNvPr id="29" name="テキスト ボックス 28">
+            <a:extLst>
+              <a:ext uri="{FF2B5EF4-FFF2-40B4-BE49-F238E27FC236}">
+                <a16:creationId xmlns:a16="http://schemas.microsoft.com/office/drawing/2014/main" id="{B7124E7B-1E3D-FD07-7EEE-A68B47416E64}"/>
+              </a:ext>
+            </a:extLst>
+          </p:cNvPr>
+          <p:cNvSpPr txBox="1"/>
+          <p:nvPr/>
+        </p:nvSpPr>
+        <p:spPr>
+          <a:xfrm>
+            <a:off x="6047665" y="8449221"/>
+            <a:ext cx="3720252" cy="830997"/>
+          </a:xfrm>
+          <a:prstGeom prst="rect">
+            <a:avLst/>
+          </a:prstGeom>
+          <a:noFill/>
+          <a:ln>
+            <a:noFill/>
+          </a:ln>
+          <a:effectLst>
+            <a:glow>
+              <a:schemeClr val="accent3">
+                <a:lumMod val="40000"/>
+                <a:lumOff val="60000"/>
+                <a:alpha val="40000"/>
+              </a:schemeClr>
+            </a:glow>
+          </a:effectLst>
+        </p:spPr>
+        <p:txBody>
+          <a:bodyPr wrap="square" rtlCol="0" anchor="ctr">
+            <a:spAutoFit/>
+          </a:bodyPr>
+          <a:lstStyle/>
+          <a:p>
+            <a:pPr algn="ctr"/>
+            <a:r>
+              <a:rPr kumimoji="1" lang="ja-JP" altLang="en-US" sz="4800" dirty="0">
+                <a:ln w="3175">
+                  <a:noFill/>
+                </a:ln>
+                <a:solidFill>
+                  <a:schemeClr val="bg1"/>
+                </a:solidFill>
+                <a:effectLst>
+                  <a:glow rad="419100">
+                    <a:srgbClr val="FF0000"/>
+                  </a:glow>
+                </a:effectLst>
+                <a:latin typeface="どきどきファンタジア" panose="02000900000000000000" pitchFamily="50" charset="-128"/>
+                <a:ea typeface="どきどきファンタジア" panose="02000900000000000000" pitchFamily="50" charset="-128"/>
+              </a:rPr>
+              <a:t>氷を割る！</a:t>
+            </a:r>
+          </a:p>
+        </p:txBody>
+      </p:sp>
       <p:sp>
         <p:nvSpPr>
           <p:cNvPr id="8" name="テキスト ボックス 7">
@@ -4431,7 +4715,7 @@
         </p:nvSpPr>
         <p:spPr>
           <a:xfrm>
-            <a:off x="184847" y="7700846"/>
+            <a:off x="-543645" y="1762594"/>
             <a:ext cx="8451436" cy="1938992"/>
           </a:xfrm>
           <a:prstGeom prst="rect">
@@ -4464,7 +4748,7 @@
                 <a:latin typeface="どきどきファンタジア" panose="02000900000000000000" pitchFamily="50" charset="-128"/>
                 <a:ea typeface="どきどきファンタジア" panose="02000900000000000000" pitchFamily="50" charset="-128"/>
               </a:rPr>
-              <a:t>アクションを活かして</a:t>
+              <a:t>足場を切り離して</a:t>
             </a:r>
             <a:endParaRPr kumimoji="1" lang="en-US" altLang="ja-JP" sz="6000" dirty="0">
               <a:ln w="6350">
@@ -4504,7 +4788,7 @@
                 <a:latin typeface="どきどきファンタジア" panose="02000900000000000000" pitchFamily="50" charset="-128"/>
                 <a:ea typeface="どきどきファンタジア" panose="02000900000000000000" pitchFamily="50" charset="-128"/>
               </a:rPr>
-              <a:t>氷を切り離す！</a:t>
+              <a:t>敵ごと流せ！</a:t>
             </a:r>
           </a:p>
         </p:txBody>
